--- a/img/Dominoeffekt.pptx
+++ b/img/Dominoeffekt.pptx
@@ -2,7 +2,7 @@
 <file path=ppt/presentation.xml><?xml version="1.0" encoding="utf-8"?>
 <p:presentation xmlns:a="http://schemas.openxmlformats.org/drawingml/2006/main" xmlns:r="http://schemas.openxmlformats.org/officeDocument/2006/relationships" xmlns:p="http://schemas.openxmlformats.org/presentationml/2006/main" saveSubsetFonts="1" autoCompressPictures="0">
   <p:sldMasterIdLst>
-    <p:sldMasterId id="2147483708" r:id="rId1"/>
+    <p:sldMasterId id="2147483744" r:id="rId1"/>
   </p:sldMasterIdLst>
   <p:notesMasterIdLst>
     <p:notesMasterId r:id="rId9"/>
@@ -113,6 +113,11 @@
       </a:defRPr>
     </a:lvl9pPr>
   </p:defaultTextStyle>
+  <p:extLst>
+    <p:ext uri="{EFAFB233-063F-42B5-8137-9DF3F51BA10A}">
+      <p15:sldGuideLst xmlns:p15="http://schemas.microsoft.com/office/powerpoint/2012/main"/>
+    </p:ext>
+  </p:extLst>
 </p:presentation>
 </file>
 
@@ -198,7 +203,7 @@
           <a:p>
             <a:fld id="{9595E809-FD06-FE44-BB76-B09DADFD8003}" type="datetimeFigureOut">
               <a:rPr lang="de-DE" smtClean="0"/>
-              <a:t>04.07.24</a:t>
+              <a:t>05.07.24</a:t>
             </a:fld>
             <a:endParaRPr lang="de-DE" dirty="0"/>
           </a:p>
@@ -554,6 +559,451 @@
 </p:notes>
 </file>
 
+<file path=ppt/notesSlides/notesSlide2.xml><?xml version="1.0" encoding="utf-8"?>
+<p:notes xmlns:a="http://schemas.openxmlformats.org/drawingml/2006/main" xmlns:r="http://schemas.openxmlformats.org/officeDocument/2006/relationships" xmlns:p="http://schemas.openxmlformats.org/presentationml/2006/main">
+  <p:cSld>
+    <p:spTree>
+      <p:nvGrpSpPr>
+        <p:cNvPr id="1" name=""/>
+        <p:cNvGrpSpPr/>
+        <p:nvPr/>
+      </p:nvGrpSpPr>
+      <p:grpSpPr>
+        <a:xfrm>
+          <a:off x="0" y="0"/>
+          <a:ext cx="0" cy="0"/>
+          <a:chOff x="0" y="0"/>
+          <a:chExt cx="0" cy="0"/>
+        </a:xfrm>
+      </p:grpSpPr>
+      <p:sp>
+        <p:nvSpPr>
+          <p:cNvPr id="2" name="Folienbildplatzhalter 1"/>
+          <p:cNvSpPr>
+            <a:spLocks noGrp="1" noRot="1" noChangeAspect="1"/>
+          </p:cNvSpPr>
+          <p:nvPr>
+            <p:ph type="sldImg"/>
+          </p:nvPr>
+        </p:nvSpPr>
+        <p:spPr>
+          <a:xfrm>
+            <a:off x="188913" y="1143000"/>
+            <a:ext cx="6480175" cy="3086100"/>
+          </a:xfrm>
+        </p:spPr>
+      </p:sp>
+      <p:sp>
+        <p:nvSpPr>
+          <p:cNvPr id="3" name="Notizenplatzhalter 2"/>
+          <p:cNvSpPr>
+            <a:spLocks noGrp="1"/>
+          </p:cNvSpPr>
+          <p:nvPr>
+            <p:ph type="body" idx="1"/>
+          </p:nvPr>
+        </p:nvSpPr>
+        <p:spPr/>
+        <p:txBody>
+          <a:bodyPr/>
+          <a:lstStyle/>
+          <a:p>
+            <a:endParaRPr lang="de-DE"/>
+          </a:p>
+        </p:txBody>
+      </p:sp>
+      <p:sp>
+        <p:nvSpPr>
+          <p:cNvPr id="4" name="Foliennummernplatzhalter 3"/>
+          <p:cNvSpPr>
+            <a:spLocks noGrp="1"/>
+          </p:cNvSpPr>
+          <p:nvPr>
+            <p:ph type="sldNum" sz="quarter" idx="5"/>
+          </p:nvPr>
+        </p:nvSpPr>
+        <p:spPr/>
+        <p:txBody>
+          <a:bodyPr/>
+          <a:lstStyle/>
+          <a:p>
+            <a:fld id="{839B7FC7-E9D8-DA41-B457-5244A91A553D}" type="slidenum">
+              <a:rPr lang="de-DE" smtClean="0"/>
+              <a:t>2</a:t>
+            </a:fld>
+            <a:endParaRPr lang="de-DE" dirty="0"/>
+          </a:p>
+        </p:txBody>
+      </p:sp>
+    </p:spTree>
+    <p:extLst>
+      <p:ext uri="{BB962C8B-B14F-4D97-AF65-F5344CB8AC3E}">
+        <p14:creationId xmlns:p14="http://schemas.microsoft.com/office/powerpoint/2010/main" val="215925062"/>
+      </p:ext>
+    </p:extLst>
+  </p:cSld>
+  <p:clrMapOvr>
+    <a:masterClrMapping/>
+  </p:clrMapOvr>
+</p:notes>
+</file>
+
+<file path=ppt/notesSlides/notesSlide3.xml><?xml version="1.0" encoding="utf-8"?>
+<p:notes xmlns:a="http://schemas.openxmlformats.org/drawingml/2006/main" xmlns:r="http://schemas.openxmlformats.org/officeDocument/2006/relationships" xmlns:p="http://schemas.openxmlformats.org/presentationml/2006/main">
+  <p:cSld>
+    <p:spTree>
+      <p:nvGrpSpPr>
+        <p:cNvPr id="1" name=""/>
+        <p:cNvGrpSpPr/>
+        <p:nvPr/>
+      </p:nvGrpSpPr>
+      <p:grpSpPr>
+        <a:xfrm>
+          <a:off x="0" y="0"/>
+          <a:ext cx="0" cy="0"/>
+          <a:chOff x="0" y="0"/>
+          <a:chExt cx="0" cy="0"/>
+        </a:xfrm>
+      </p:grpSpPr>
+      <p:sp>
+        <p:nvSpPr>
+          <p:cNvPr id="2" name="Folienbildplatzhalter 1"/>
+          <p:cNvSpPr>
+            <a:spLocks noGrp="1" noRot="1" noChangeAspect="1"/>
+          </p:cNvSpPr>
+          <p:nvPr>
+            <p:ph type="sldImg"/>
+          </p:nvPr>
+        </p:nvSpPr>
+        <p:spPr>
+          <a:xfrm>
+            <a:off x="188913" y="1143000"/>
+            <a:ext cx="6480175" cy="3086100"/>
+          </a:xfrm>
+        </p:spPr>
+      </p:sp>
+      <p:sp>
+        <p:nvSpPr>
+          <p:cNvPr id="3" name="Notizenplatzhalter 2"/>
+          <p:cNvSpPr>
+            <a:spLocks noGrp="1"/>
+          </p:cNvSpPr>
+          <p:nvPr>
+            <p:ph type="body" idx="1"/>
+          </p:nvPr>
+        </p:nvSpPr>
+        <p:spPr/>
+        <p:txBody>
+          <a:bodyPr/>
+          <a:lstStyle/>
+          <a:p>
+            <a:endParaRPr lang="de-DE"/>
+          </a:p>
+        </p:txBody>
+      </p:sp>
+      <p:sp>
+        <p:nvSpPr>
+          <p:cNvPr id="4" name="Foliennummernplatzhalter 3"/>
+          <p:cNvSpPr>
+            <a:spLocks noGrp="1"/>
+          </p:cNvSpPr>
+          <p:nvPr>
+            <p:ph type="sldNum" sz="quarter" idx="5"/>
+          </p:nvPr>
+        </p:nvSpPr>
+        <p:spPr/>
+        <p:txBody>
+          <a:bodyPr/>
+          <a:lstStyle/>
+          <a:p>
+            <a:fld id="{839B7FC7-E9D8-DA41-B457-5244A91A553D}" type="slidenum">
+              <a:rPr lang="de-DE" smtClean="0"/>
+              <a:t>3</a:t>
+            </a:fld>
+            <a:endParaRPr lang="de-DE" dirty="0"/>
+          </a:p>
+        </p:txBody>
+      </p:sp>
+    </p:spTree>
+    <p:extLst>
+      <p:ext uri="{BB962C8B-B14F-4D97-AF65-F5344CB8AC3E}">
+        <p14:creationId xmlns:p14="http://schemas.microsoft.com/office/powerpoint/2010/main" val="3912253057"/>
+      </p:ext>
+    </p:extLst>
+  </p:cSld>
+  <p:clrMapOvr>
+    <a:masterClrMapping/>
+  </p:clrMapOvr>
+</p:notes>
+</file>
+
+<file path=ppt/notesSlides/notesSlide4.xml><?xml version="1.0" encoding="utf-8"?>
+<p:notes xmlns:a="http://schemas.openxmlformats.org/drawingml/2006/main" xmlns:r="http://schemas.openxmlformats.org/officeDocument/2006/relationships" xmlns:p="http://schemas.openxmlformats.org/presentationml/2006/main">
+  <p:cSld>
+    <p:spTree>
+      <p:nvGrpSpPr>
+        <p:cNvPr id="1" name=""/>
+        <p:cNvGrpSpPr/>
+        <p:nvPr/>
+      </p:nvGrpSpPr>
+      <p:grpSpPr>
+        <a:xfrm>
+          <a:off x="0" y="0"/>
+          <a:ext cx="0" cy="0"/>
+          <a:chOff x="0" y="0"/>
+          <a:chExt cx="0" cy="0"/>
+        </a:xfrm>
+      </p:grpSpPr>
+      <p:sp>
+        <p:nvSpPr>
+          <p:cNvPr id="2" name="Folienbildplatzhalter 1"/>
+          <p:cNvSpPr>
+            <a:spLocks noGrp="1" noRot="1" noChangeAspect="1"/>
+          </p:cNvSpPr>
+          <p:nvPr>
+            <p:ph type="sldImg"/>
+          </p:nvPr>
+        </p:nvSpPr>
+        <p:spPr>
+          <a:xfrm>
+            <a:off x="188913" y="1143000"/>
+            <a:ext cx="6480175" cy="3086100"/>
+          </a:xfrm>
+        </p:spPr>
+      </p:sp>
+      <p:sp>
+        <p:nvSpPr>
+          <p:cNvPr id="3" name="Notizenplatzhalter 2"/>
+          <p:cNvSpPr>
+            <a:spLocks noGrp="1"/>
+          </p:cNvSpPr>
+          <p:nvPr>
+            <p:ph type="body" idx="1"/>
+          </p:nvPr>
+        </p:nvSpPr>
+        <p:spPr/>
+        <p:txBody>
+          <a:bodyPr/>
+          <a:lstStyle/>
+          <a:p>
+            <a:endParaRPr lang="de-DE"/>
+          </a:p>
+        </p:txBody>
+      </p:sp>
+      <p:sp>
+        <p:nvSpPr>
+          <p:cNvPr id="4" name="Foliennummernplatzhalter 3"/>
+          <p:cNvSpPr>
+            <a:spLocks noGrp="1"/>
+          </p:cNvSpPr>
+          <p:nvPr>
+            <p:ph type="sldNum" sz="quarter" idx="5"/>
+          </p:nvPr>
+        </p:nvSpPr>
+        <p:spPr/>
+        <p:txBody>
+          <a:bodyPr/>
+          <a:lstStyle/>
+          <a:p>
+            <a:fld id="{839B7FC7-E9D8-DA41-B457-5244A91A553D}" type="slidenum">
+              <a:rPr lang="de-DE" smtClean="0"/>
+              <a:t>4</a:t>
+            </a:fld>
+            <a:endParaRPr lang="de-DE" dirty="0"/>
+          </a:p>
+        </p:txBody>
+      </p:sp>
+    </p:spTree>
+    <p:extLst>
+      <p:ext uri="{BB962C8B-B14F-4D97-AF65-F5344CB8AC3E}">
+        <p14:creationId xmlns:p14="http://schemas.microsoft.com/office/powerpoint/2010/main" val="713353808"/>
+      </p:ext>
+    </p:extLst>
+  </p:cSld>
+  <p:clrMapOvr>
+    <a:masterClrMapping/>
+  </p:clrMapOvr>
+</p:notes>
+</file>
+
+<file path=ppt/notesSlides/notesSlide5.xml><?xml version="1.0" encoding="utf-8"?>
+<p:notes xmlns:a="http://schemas.openxmlformats.org/drawingml/2006/main" xmlns:r="http://schemas.openxmlformats.org/officeDocument/2006/relationships" xmlns:p="http://schemas.openxmlformats.org/presentationml/2006/main">
+  <p:cSld>
+    <p:spTree>
+      <p:nvGrpSpPr>
+        <p:cNvPr id="1" name=""/>
+        <p:cNvGrpSpPr/>
+        <p:nvPr/>
+      </p:nvGrpSpPr>
+      <p:grpSpPr>
+        <a:xfrm>
+          <a:off x="0" y="0"/>
+          <a:ext cx="0" cy="0"/>
+          <a:chOff x="0" y="0"/>
+          <a:chExt cx="0" cy="0"/>
+        </a:xfrm>
+      </p:grpSpPr>
+      <p:sp>
+        <p:nvSpPr>
+          <p:cNvPr id="2" name="Folienbildplatzhalter 1"/>
+          <p:cNvSpPr>
+            <a:spLocks noGrp="1" noRot="1" noChangeAspect="1"/>
+          </p:cNvSpPr>
+          <p:nvPr>
+            <p:ph type="sldImg"/>
+          </p:nvPr>
+        </p:nvSpPr>
+        <p:spPr>
+          <a:xfrm>
+            <a:off x="188913" y="1143000"/>
+            <a:ext cx="6480175" cy="3086100"/>
+          </a:xfrm>
+        </p:spPr>
+      </p:sp>
+      <p:sp>
+        <p:nvSpPr>
+          <p:cNvPr id="3" name="Notizenplatzhalter 2"/>
+          <p:cNvSpPr>
+            <a:spLocks noGrp="1"/>
+          </p:cNvSpPr>
+          <p:nvPr>
+            <p:ph type="body" idx="1"/>
+          </p:nvPr>
+        </p:nvSpPr>
+        <p:spPr/>
+        <p:txBody>
+          <a:bodyPr/>
+          <a:lstStyle/>
+          <a:p>
+            <a:endParaRPr lang="de-DE"/>
+          </a:p>
+        </p:txBody>
+      </p:sp>
+      <p:sp>
+        <p:nvSpPr>
+          <p:cNvPr id="4" name="Foliennummernplatzhalter 3"/>
+          <p:cNvSpPr>
+            <a:spLocks noGrp="1"/>
+          </p:cNvSpPr>
+          <p:nvPr>
+            <p:ph type="sldNum" sz="quarter" idx="5"/>
+          </p:nvPr>
+        </p:nvSpPr>
+        <p:spPr/>
+        <p:txBody>
+          <a:bodyPr/>
+          <a:lstStyle/>
+          <a:p>
+            <a:fld id="{839B7FC7-E9D8-DA41-B457-5244A91A553D}" type="slidenum">
+              <a:rPr lang="de-DE" smtClean="0"/>
+              <a:t>5</a:t>
+            </a:fld>
+            <a:endParaRPr lang="de-DE" dirty="0"/>
+          </a:p>
+        </p:txBody>
+      </p:sp>
+    </p:spTree>
+    <p:extLst>
+      <p:ext uri="{BB962C8B-B14F-4D97-AF65-F5344CB8AC3E}">
+        <p14:creationId xmlns:p14="http://schemas.microsoft.com/office/powerpoint/2010/main" val="1088532766"/>
+      </p:ext>
+    </p:extLst>
+  </p:cSld>
+  <p:clrMapOvr>
+    <a:masterClrMapping/>
+  </p:clrMapOvr>
+</p:notes>
+</file>
+
+<file path=ppt/notesSlides/notesSlide6.xml><?xml version="1.0" encoding="utf-8"?>
+<p:notes xmlns:a="http://schemas.openxmlformats.org/drawingml/2006/main" xmlns:r="http://schemas.openxmlformats.org/officeDocument/2006/relationships" xmlns:p="http://schemas.openxmlformats.org/presentationml/2006/main">
+  <p:cSld>
+    <p:spTree>
+      <p:nvGrpSpPr>
+        <p:cNvPr id="1" name=""/>
+        <p:cNvGrpSpPr/>
+        <p:nvPr/>
+      </p:nvGrpSpPr>
+      <p:grpSpPr>
+        <a:xfrm>
+          <a:off x="0" y="0"/>
+          <a:ext cx="0" cy="0"/>
+          <a:chOff x="0" y="0"/>
+          <a:chExt cx="0" cy="0"/>
+        </a:xfrm>
+      </p:grpSpPr>
+      <p:sp>
+        <p:nvSpPr>
+          <p:cNvPr id="2" name="Folienbildplatzhalter 1"/>
+          <p:cNvSpPr>
+            <a:spLocks noGrp="1" noRot="1" noChangeAspect="1"/>
+          </p:cNvSpPr>
+          <p:nvPr>
+            <p:ph type="sldImg"/>
+          </p:nvPr>
+        </p:nvSpPr>
+        <p:spPr>
+          <a:xfrm>
+            <a:off x="188913" y="1143000"/>
+            <a:ext cx="6480175" cy="3086100"/>
+          </a:xfrm>
+        </p:spPr>
+      </p:sp>
+      <p:sp>
+        <p:nvSpPr>
+          <p:cNvPr id="3" name="Notizenplatzhalter 2"/>
+          <p:cNvSpPr>
+            <a:spLocks noGrp="1"/>
+          </p:cNvSpPr>
+          <p:nvPr>
+            <p:ph type="body" idx="1"/>
+          </p:nvPr>
+        </p:nvSpPr>
+        <p:spPr/>
+        <p:txBody>
+          <a:bodyPr/>
+          <a:lstStyle/>
+          <a:p>
+            <a:endParaRPr lang="de-DE"/>
+          </a:p>
+        </p:txBody>
+      </p:sp>
+      <p:sp>
+        <p:nvSpPr>
+          <p:cNvPr id="4" name="Foliennummernplatzhalter 3"/>
+          <p:cNvSpPr>
+            <a:spLocks noGrp="1"/>
+          </p:cNvSpPr>
+          <p:nvPr>
+            <p:ph type="sldNum" sz="quarter" idx="5"/>
+          </p:nvPr>
+        </p:nvSpPr>
+        <p:spPr/>
+        <p:txBody>
+          <a:bodyPr/>
+          <a:lstStyle/>
+          <a:p>
+            <a:fld id="{839B7FC7-E9D8-DA41-B457-5244A91A553D}" type="slidenum">
+              <a:rPr lang="de-DE" smtClean="0"/>
+              <a:t>6</a:t>
+            </a:fld>
+            <a:endParaRPr lang="de-DE" dirty="0"/>
+          </a:p>
+        </p:txBody>
+      </p:sp>
+    </p:spTree>
+    <p:extLst>
+      <p:ext uri="{BB962C8B-B14F-4D97-AF65-F5344CB8AC3E}">
+        <p14:creationId xmlns:p14="http://schemas.microsoft.com/office/powerpoint/2010/main" val="1353118152"/>
+      </p:ext>
+    </p:extLst>
+  </p:cSld>
+  <p:clrMapOvr>
+    <a:masterClrMapping/>
+  </p:clrMapOvr>
+</p:notes>
+</file>
+
 <file path=ppt/slideLayouts/slideLayout1.xml><?xml version="1.0" encoding="utf-8"?>
 <p:sldLayout xmlns:a="http://schemas.openxmlformats.org/drawingml/2006/main" xmlns:r="http://schemas.openxmlformats.org/officeDocument/2006/relationships" xmlns:p="http://schemas.openxmlformats.org/presentationml/2006/main" type="title" preserve="1">
   <p:cSld name="Titelfolie">
@@ -685,7 +1135,7 @@
           <a:p>
             <a:fld id="{E3B30D05-E721-9C41-891E-F89269489B81}" type="datetimeFigureOut">
               <a:rPr lang="de-DE" smtClean="0"/>
-              <a:t>04.07.24</a:t>
+              <a:t>05.07.24</a:t>
             </a:fld>
             <a:endParaRPr lang="de-DE" dirty="0"/>
           </a:p>
@@ -736,7 +1186,7 @@
     </p:spTree>
     <p:extLst>
       <p:ext uri="{BB962C8B-B14F-4D97-AF65-F5344CB8AC3E}">
-        <p14:creationId xmlns:p14="http://schemas.microsoft.com/office/powerpoint/2010/main" val="2819535773"/>
+        <p14:creationId xmlns:p14="http://schemas.microsoft.com/office/powerpoint/2010/main" val="3396540374"/>
       </p:ext>
     </p:extLst>
   </p:cSld>
@@ -855,7 +1305,7 @@
           <a:p>
             <a:fld id="{E3B30D05-E721-9C41-891E-F89269489B81}" type="datetimeFigureOut">
               <a:rPr lang="de-DE" smtClean="0"/>
-              <a:t>04.07.24</a:t>
+              <a:t>05.07.24</a:t>
             </a:fld>
             <a:endParaRPr lang="de-DE" dirty="0"/>
           </a:p>
@@ -906,7 +1356,7 @@
     </p:spTree>
     <p:extLst>
       <p:ext uri="{BB962C8B-B14F-4D97-AF65-F5344CB8AC3E}">
-        <p14:creationId xmlns:p14="http://schemas.microsoft.com/office/powerpoint/2010/main" val="1079368997"/>
+        <p14:creationId xmlns:p14="http://schemas.microsoft.com/office/powerpoint/2010/main" val="3564337052"/>
       </p:ext>
     </p:extLst>
   </p:cSld>
@@ -1035,7 +1485,7 @@
           <a:p>
             <a:fld id="{E3B30D05-E721-9C41-891E-F89269489B81}" type="datetimeFigureOut">
               <a:rPr lang="de-DE" smtClean="0"/>
-              <a:t>04.07.24</a:t>
+              <a:t>05.07.24</a:t>
             </a:fld>
             <a:endParaRPr lang="de-DE" dirty="0"/>
           </a:p>
@@ -1086,7 +1536,7 @@
     </p:spTree>
     <p:extLst>
       <p:ext uri="{BB962C8B-B14F-4D97-AF65-F5344CB8AC3E}">
-        <p14:creationId xmlns:p14="http://schemas.microsoft.com/office/powerpoint/2010/main" val="1201993280"/>
+        <p14:creationId xmlns:p14="http://schemas.microsoft.com/office/powerpoint/2010/main" val="3277567733"/>
       </p:ext>
     </p:extLst>
   </p:cSld>
@@ -1205,7 +1655,7 @@
           <a:p>
             <a:fld id="{E3B30D05-E721-9C41-891E-F89269489B81}" type="datetimeFigureOut">
               <a:rPr lang="de-DE" smtClean="0"/>
-              <a:t>04.07.24</a:t>
+              <a:t>05.07.24</a:t>
             </a:fld>
             <a:endParaRPr lang="de-DE" dirty="0"/>
           </a:p>
@@ -1256,7 +1706,7 @@
     </p:spTree>
     <p:extLst>
       <p:ext uri="{BB962C8B-B14F-4D97-AF65-F5344CB8AC3E}">
-        <p14:creationId xmlns:p14="http://schemas.microsoft.com/office/powerpoint/2010/main" val="59807233"/>
+        <p14:creationId xmlns:p14="http://schemas.microsoft.com/office/powerpoint/2010/main" val="2670647389"/>
       </p:ext>
     </p:extLst>
   </p:cSld>
@@ -1451,7 +1901,7 @@
           <a:p>
             <a:fld id="{E3B30D05-E721-9C41-891E-F89269489B81}" type="datetimeFigureOut">
               <a:rPr lang="de-DE" smtClean="0"/>
-              <a:t>04.07.24</a:t>
+              <a:t>05.07.24</a:t>
             </a:fld>
             <a:endParaRPr lang="de-DE" dirty="0"/>
           </a:p>
@@ -1502,7 +1952,7 @@
     </p:spTree>
     <p:extLst>
       <p:ext uri="{BB962C8B-B14F-4D97-AF65-F5344CB8AC3E}">
-        <p14:creationId xmlns:p14="http://schemas.microsoft.com/office/powerpoint/2010/main" val="3897950973"/>
+        <p14:creationId xmlns:p14="http://schemas.microsoft.com/office/powerpoint/2010/main" val="3335053781"/>
       </p:ext>
     </p:extLst>
   </p:cSld>
@@ -1683,7 +2133,7 @@
           <a:p>
             <a:fld id="{E3B30D05-E721-9C41-891E-F89269489B81}" type="datetimeFigureOut">
               <a:rPr lang="de-DE" smtClean="0"/>
-              <a:t>04.07.24</a:t>
+              <a:t>05.07.24</a:t>
             </a:fld>
             <a:endParaRPr lang="de-DE" dirty="0"/>
           </a:p>
@@ -1734,7 +2184,7 @@
     </p:spTree>
     <p:extLst>
       <p:ext uri="{BB962C8B-B14F-4D97-AF65-F5344CB8AC3E}">
-        <p14:creationId xmlns:p14="http://schemas.microsoft.com/office/powerpoint/2010/main" val="2936659857"/>
+        <p14:creationId xmlns:p14="http://schemas.microsoft.com/office/powerpoint/2010/main" val="469358019"/>
       </p:ext>
     </p:extLst>
   </p:cSld>
@@ -2050,7 +2500,7 @@
           <a:p>
             <a:fld id="{E3B30D05-E721-9C41-891E-F89269489B81}" type="datetimeFigureOut">
               <a:rPr lang="de-DE" smtClean="0"/>
-              <a:t>04.07.24</a:t>
+              <a:t>05.07.24</a:t>
             </a:fld>
             <a:endParaRPr lang="de-DE" dirty="0"/>
           </a:p>
@@ -2101,7 +2551,7 @@
     </p:spTree>
     <p:extLst>
       <p:ext uri="{BB962C8B-B14F-4D97-AF65-F5344CB8AC3E}">
-        <p14:creationId xmlns:p14="http://schemas.microsoft.com/office/powerpoint/2010/main" val="1054506847"/>
+        <p14:creationId xmlns:p14="http://schemas.microsoft.com/office/powerpoint/2010/main" val="2850743373"/>
       </p:ext>
     </p:extLst>
   </p:cSld>
@@ -2168,7 +2618,7 @@
           <a:p>
             <a:fld id="{E3B30D05-E721-9C41-891E-F89269489B81}" type="datetimeFigureOut">
               <a:rPr lang="de-DE" smtClean="0"/>
-              <a:t>04.07.24</a:t>
+              <a:t>05.07.24</a:t>
             </a:fld>
             <a:endParaRPr lang="de-DE" dirty="0"/>
           </a:p>
@@ -2219,7 +2669,7 @@
     </p:spTree>
     <p:extLst>
       <p:ext uri="{BB962C8B-B14F-4D97-AF65-F5344CB8AC3E}">
-        <p14:creationId xmlns:p14="http://schemas.microsoft.com/office/powerpoint/2010/main" val="4233751077"/>
+        <p14:creationId xmlns:p14="http://schemas.microsoft.com/office/powerpoint/2010/main" val="1439395054"/>
       </p:ext>
     </p:extLst>
   </p:cSld>
@@ -2263,7 +2713,7 @@
           <a:p>
             <a:fld id="{E3B30D05-E721-9C41-891E-F89269489B81}" type="datetimeFigureOut">
               <a:rPr lang="de-DE" smtClean="0"/>
-              <a:t>04.07.24</a:t>
+              <a:t>05.07.24</a:t>
             </a:fld>
             <a:endParaRPr lang="de-DE" dirty="0"/>
           </a:p>
@@ -2314,7 +2764,7 @@
     </p:spTree>
     <p:extLst>
       <p:ext uri="{BB962C8B-B14F-4D97-AF65-F5344CB8AC3E}">
-        <p14:creationId xmlns:p14="http://schemas.microsoft.com/office/powerpoint/2010/main" val="2486885949"/>
+        <p14:creationId xmlns:p14="http://schemas.microsoft.com/office/powerpoint/2010/main" val="165631873"/>
       </p:ext>
     </p:extLst>
   </p:cSld>
@@ -2540,7 +2990,7 @@
           <a:p>
             <a:fld id="{E3B30D05-E721-9C41-891E-F89269489B81}" type="datetimeFigureOut">
               <a:rPr lang="de-DE" smtClean="0"/>
-              <a:t>04.07.24</a:t>
+              <a:t>05.07.24</a:t>
             </a:fld>
             <a:endParaRPr lang="de-DE" dirty="0"/>
           </a:p>
@@ -2591,7 +3041,7 @@
     </p:spTree>
     <p:extLst>
       <p:ext uri="{BB962C8B-B14F-4D97-AF65-F5344CB8AC3E}">
-        <p14:creationId xmlns:p14="http://schemas.microsoft.com/office/powerpoint/2010/main" val="2802818226"/>
+        <p14:creationId xmlns:p14="http://schemas.microsoft.com/office/powerpoint/2010/main" val="250452160"/>
       </p:ext>
     </p:extLst>
   </p:cSld>
@@ -2797,7 +3247,7 @@
           <a:p>
             <a:fld id="{E3B30D05-E721-9C41-891E-F89269489B81}" type="datetimeFigureOut">
               <a:rPr lang="de-DE" smtClean="0"/>
-              <a:t>04.07.24</a:t>
+              <a:t>05.07.24</a:t>
             </a:fld>
             <a:endParaRPr lang="de-DE" dirty="0"/>
           </a:p>
@@ -2848,7 +3298,7 @@
     </p:spTree>
     <p:extLst>
       <p:ext uri="{BB962C8B-B14F-4D97-AF65-F5344CB8AC3E}">
-        <p14:creationId xmlns:p14="http://schemas.microsoft.com/office/powerpoint/2010/main" val="2184289988"/>
+        <p14:creationId xmlns:p14="http://schemas.microsoft.com/office/powerpoint/2010/main" val="1187607962"/>
       </p:ext>
     </p:extLst>
   </p:cSld>
@@ -3010,7 +3460,7 @@
           <a:p>
             <a:fld id="{E3B30D05-E721-9C41-891E-F89269489B81}" type="datetimeFigureOut">
               <a:rPr lang="de-DE" smtClean="0"/>
-              <a:t>04.07.24</a:t>
+              <a:t>05.07.24</a:t>
             </a:fld>
             <a:endParaRPr lang="de-DE" dirty="0"/>
           </a:p>
@@ -3097,23 +3547,23 @@
     </p:spTree>
     <p:extLst>
       <p:ext uri="{BB962C8B-B14F-4D97-AF65-F5344CB8AC3E}">
-        <p14:creationId xmlns:p14="http://schemas.microsoft.com/office/powerpoint/2010/main" val="313467544"/>
+        <p14:creationId xmlns:p14="http://schemas.microsoft.com/office/powerpoint/2010/main" val="1009949209"/>
       </p:ext>
     </p:extLst>
   </p:cSld>
   <p:clrMap bg1="lt1" tx1="dk1" bg2="lt2" tx2="dk2" accent1="accent1" accent2="accent2" accent3="accent3" accent4="accent4" accent5="accent5" accent6="accent6" hlink="hlink" folHlink="folHlink"/>
   <p:sldLayoutIdLst>
-    <p:sldLayoutId id="2147483709" r:id="rId1"/>
-    <p:sldLayoutId id="2147483710" r:id="rId2"/>
-    <p:sldLayoutId id="2147483711" r:id="rId3"/>
-    <p:sldLayoutId id="2147483712" r:id="rId4"/>
-    <p:sldLayoutId id="2147483713" r:id="rId5"/>
-    <p:sldLayoutId id="2147483714" r:id="rId6"/>
-    <p:sldLayoutId id="2147483715" r:id="rId7"/>
-    <p:sldLayoutId id="2147483716" r:id="rId8"/>
-    <p:sldLayoutId id="2147483717" r:id="rId9"/>
-    <p:sldLayoutId id="2147483718" r:id="rId10"/>
-    <p:sldLayoutId id="2147483719" r:id="rId11"/>
+    <p:sldLayoutId id="2147483745" r:id="rId1"/>
+    <p:sldLayoutId id="2147483746" r:id="rId2"/>
+    <p:sldLayoutId id="2147483747" r:id="rId3"/>
+    <p:sldLayoutId id="2147483748" r:id="rId4"/>
+    <p:sldLayoutId id="2147483749" r:id="rId5"/>
+    <p:sldLayoutId id="2147483750" r:id="rId6"/>
+    <p:sldLayoutId id="2147483751" r:id="rId7"/>
+    <p:sldLayoutId id="2147483752" r:id="rId8"/>
+    <p:sldLayoutId id="2147483753" r:id="rId9"/>
+    <p:sldLayoutId id="2147483754" r:id="rId10"/>
+    <p:sldLayoutId id="2147483755" r:id="rId11"/>
   </p:sldLayoutIdLst>
   <p:txStyles>
     <p:titleStyle>
@@ -3437,7 +3887,7 @@
         </p:blipFill>
         <p:spPr>
           <a:xfrm>
-            <a:off x="-1169919" y="336227"/>
+            <a:off x="-1169919" y="336228"/>
             <a:ext cx="1147568" cy="4530397"/>
           </a:xfrm>
           <a:prstGeom prst="rect">
@@ -3487,7 +3937,7 @@
         </p:blipFill>
         <p:spPr>
           <a:xfrm>
-            <a:off x="791805" y="98648"/>
+            <a:off x="791805" y="98649"/>
             <a:ext cx="1147568" cy="4530397"/>
           </a:xfrm>
           <a:prstGeom prst="rect">
@@ -3939,14 +4389,6 @@
 <file path=ppt/slides/slide2.xml><?xml version="1.0" encoding="utf-8"?>
 <p:sld xmlns:a="http://schemas.openxmlformats.org/drawingml/2006/main" xmlns:r="http://schemas.openxmlformats.org/officeDocument/2006/relationships" xmlns:p="http://schemas.openxmlformats.org/presentationml/2006/main">
   <p:cSld>
-    <p:bg>
-      <p:bgPr>
-        <a:solidFill>
-          <a:srgbClr val="F2F2F2"/>
-        </a:solidFill>
-        <a:effectLst/>
-      </p:bgPr>
-    </p:bg>
     <p:spTree>
       <p:nvGrpSpPr>
         <p:cNvPr id="1" name=""/>
@@ -3963,10 +4405,10 @@
       </p:grpSpPr>
       <p:pic>
         <p:nvPicPr>
-          <p:cNvPr id="26" name="Grafik 25" descr="Ein Bild, das Text, Screenshot, Schrift, Schwarz enthält.&#10;&#10;Automatisch generierte Beschreibung">
+          <p:cNvPr id="11" name="Grafik 10" descr="Ein Bild, das Screenshot, Schwarz, Schrift, Schwarzweiß enthält.&#10;&#10;Automatisch generierte Beschreibung">
             <a:extLst>
               <a:ext uri="{FF2B5EF4-FFF2-40B4-BE49-F238E27FC236}">
-                <a16:creationId xmlns:a16="http://schemas.microsoft.com/office/drawing/2014/main" id="{4DBA41F0-7162-99F6-4229-3AA63A4B5385}"/>
+                <a16:creationId xmlns:a16="http://schemas.microsoft.com/office/drawing/2014/main" id="{28BA64BA-9373-F9F9-66D2-11F3A6BFB1BD}"/>
               </a:ext>
             </a:extLst>
           </p:cNvPr>
@@ -3976,14 +4418,58 @@
           <p:nvPr/>
         </p:nvPicPr>
         <p:blipFill>
-          <a:blip r:embed="rId2"/>
+          <a:blip r:embed="rId4"/>
           <a:stretch>
             <a:fillRect/>
           </a:stretch>
         </p:blipFill>
         <p:spPr>
           <a:xfrm>
-            <a:off x="904825" y="1007333"/>
+            <a:off x="3310124" y="1204125"/>
+            <a:ext cx="736600" cy="2895600"/>
+          </a:xfrm>
+          <a:prstGeom prst="rect">
+            <a:avLst/>
+          </a:prstGeom>
+          <a:ln>
+            <a:noFill/>
+          </a:ln>
+          <a:effectLst/>
+          <a:scene3d>
+            <a:camera prst="isometricOffAxis1Left"/>
+            <a:lightRig rig="flood" dir="t">
+              <a:rot lat="0" lon="0" rev="13800000"/>
+            </a:lightRig>
+          </a:scene3d>
+          <a:sp3d extrusionH="107950" prstMaterial="plastic">
+            <a:bevelT w="82550" h="63500" prst="divot"/>
+            <a:bevelB/>
+          </a:sp3d>
+        </p:spPr>
+      </p:pic>
+      <p:pic>
+        <p:nvPicPr>
+          <p:cNvPr id="34" name="Grafik 33" descr="Ein Bild, das Text, Screenshot, Schrift, Schwarz enthält.&#10;&#10;Automatisch generierte Beschreibung">
+            <a:extLst>
+              <a:ext uri="{FF2B5EF4-FFF2-40B4-BE49-F238E27FC236}">
+                <a16:creationId xmlns:a16="http://schemas.microsoft.com/office/drawing/2014/main" id="{A05D0146-AE43-2F39-8765-3F368F5624D8}"/>
+              </a:ext>
+            </a:extLst>
+          </p:cNvPr>
+          <p:cNvPicPr>
+            <a:picLocks noChangeAspect="1"/>
+          </p:cNvPicPr>
+          <p:nvPr/>
+        </p:nvPicPr>
+        <p:blipFill>
+          <a:blip r:embed="rId5"/>
+          <a:stretch>
+            <a:fillRect/>
+          </a:stretch>
+        </p:blipFill>
+        <p:spPr>
+          <a:xfrm>
+            <a:off x="5507296" y="914437"/>
             <a:ext cx="736600" cy="2895600"/>
           </a:xfrm>
           <a:prstGeom prst="rect">
@@ -4026,14 +4512,14 @@
           <p:nvPr/>
         </p:nvPicPr>
         <p:blipFill>
-          <a:blip r:embed="rId3"/>
+          <a:blip r:embed="rId4"/>
           <a:stretch>
             <a:fillRect/>
           </a:stretch>
         </p:blipFill>
         <p:spPr>
           <a:xfrm>
-            <a:off x="2160806" y="871389"/>
+            <a:off x="2057109" y="1342733"/>
             <a:ext cx="736600" cy="2895600"/>
           </a:xfrm>
           <a:prstGeom prst="rect">
@@ -4042,13 +4528,51 @@
           <a:ln>
             <a:noFill/>
           </a:ln>
-          <a:effectLst>
-            <a:outerShdw blurRad="184150" dist="241300" dir="11520000" sx="110000" sy="110000" algn="ctr">
-              <a:srgbClr val="000000">
-                <a:alpha val="18000"/>
-              </a:srgbClr>
-            </a:outerShdw>
-          </a:effectLst>
+          <a:effectLst/>
+          <a:scene3d>
+            <a:camera prst="isometricOffAxis1Left"/>
+            <a:lightRig rig="flood" dir="t">
+              <a:rot lat="0" lon="0" rev="13800000"/>
+            </a:lightRig>
+          </a:scene3d>
+          <a:sp3d extrusionH="107950" prstMaterial="plastic">
+            <a:bevelT w="82550" h="63500" prst="divot"/>
+            <a:bevelB/>
+          </a:sp3d>
+        </p:spPr>
+      </p:pic>
+      <p:pic>
+        <p:nvPicPr>
+          <p:cNvPr id="26" name="Grafik 25" descr="Ein Bild, das Text, Screenshot, Schrift, Schwarz enthält.&#10;&#10;Automatisch generierte Beschreibung">
+            <a:extLst>
+              <a:ext uri="{FF2B5EF4-FFF2-40B4-BE49-F238E27FC236}">
+                <a16:creationId xmlns:a16="http://schemas.microsoft.com/office/drawing/2014/main" id="{4DBA41F0-7162-99F6-4229-3AA63A4B5385}"/>
+              </a:ext>
+            </a:extLst>
+          </p:cNvPr>
+          <p:cNvPicPr>
+            <a:picLocks noChangeAspect="1"/>
+          </p:cNvPicPr>
+          <p:nvPr/>
+        </p:nvPicPr>
+        <p:blipFill>
+          <a:blip r:embed="rId6"/>
+          <a:stretch>
+            <a:fillRect/>
+          </a:stretch>
+        </p:blipFill>
+        <p:spPr>
+          <a:xfrm>
+            <a:off x="904825" y="1422115"/>
+            <a:ext cx="736600" cy="2895600"/>
+          </a:xfrm>
+          <a:prstGeom prst="rect">
+            <a:avLst/>
+          </a:prstGeom>
+          <a:ln>
+            <a:noFill/>
+          </a:ln>
+          <a:effectLst/>
           <a:scene3d>
             <a:camera prst="isometricOffAxis1Left"/>
             <a:lightRig rig="flood" dir="t">
@@ -4076,14 +4600,14 @@
           <p:nvPr/>
         </p:nvPicPr>
         <p:blipFill>
-          <a:blip r:embed="rId4"/>
+          <a:blip r:embed="rId7"/>
           <a:stretch>
             <a:fillRect/>
           </a:stretch>
         </p:blipFill>
         <p:spPr>
           <a:xfrm>
-            <a:off x="3413821" y="669281"/>
+            <a:off x="3310124" y="1149463"/>
             <a:ext cx="736600" cy="2959100"/>
           </a:xfrm>
           <a:prstGeom prst="rect">
@@ -4092,13 +4616,7 @@
           <a:ln>
             <a:noFill/>
           </a:ln>
-          <a:effectLst>
-            <a:outerShdw blurRad="184150" dist="241300" dir="11520000" sx="110000" sy="110000" algn="ctr">
-              <a:srgbClr val="000000">
-                <a:alpha val="18000"/>
-              </a:srgbClr>
-            </a:outerShdw>
-          </a:effectLst>
+          <a:effectLst/>
           <a:scene3d>
             <a:camera prst="isometricOffAxis1Left"/>
             <a:lightRig rig="flood" dir="t">
@@ -4126,14 +4644,14 @@
           <p:nvPr/>
         </p:nvPicPr>
         <p:blipFill>
-          <a:blip r:embed="rId5"/>
+          <a:blip r:embed="rId8"/>
           <a:stretch>
             <a:fillRect/>
           </a:stretch>
         </p:blipFill>
         <p:spPr>
           <a:xfrm>
-            <a:off x="4666836" y="528489"/>
+            <a:off x="4563139" y="999833"/>
             <a:ext cx="736600" cy="2946400"/>
           </a:xfrm>
           <a:prstGeom prst="rect">
@@ -4143,10 +4661,10 @@
             <a:noFill/>
           </a:ln>
           <a:effectLst>
-            <a:outerShdw blurRad="184150" dist="241300" dir="11520000" sx="110000" sy="110000" algn="ctr">
-              <a:srgbClr val="000000">
+            <a:outerShdw blurRad="177800" dist="241300" dir="11520000" sx="110000" sy="110000" algn="ctr" rotWithShape="0">
+              <a:schemeClr val="tx1">
                 <a:alpha val="18000"/>
-              </a:srgbClr>
+              </a:schemeClr>
             </a:outerShdw>
           </a:effectLst>
           <a:scene3d>
@@ -4161,57 +4679,10 @@
           </a:sp3d>
         </p:spPr>
       </p:pic>
-      <p:pic>
-        <p:nvPicPr>
-          <p:cNvPr id="34" name="Grafik 33" descr="Ein Bild, das Text, Screenshot, Schrift, Schwarz enthält.&#10;&#10;Automatisch generierte Beschreibung">
-            <a:extLst>
-              <a:ext uri="{FF2B5EF4-FFF2-40B4-BE49-F238E27FC236}">
-                <a16:creationId xmlns:a16="http://schemas.microsoft.com/office/drawing/2014/main" id="{A05D0146-AE43-2F39-8765-3F368F5624D8}"/>
-              </a:ext>
-            </a:extLst>
-          </p:cNvPr>
-          <p:cNvPicPr>
-            <a:picLocks noChangeAspect="1"/>
-          </p:cNvPicPr>
-          <p:nvPr/>
-        </p:nvPicPr>
-        <p:blipFill>
-          <a:blip r:embed="rId6"/>
-          <a:stretch>
-            <a:fillRect/>
-          </a:stretch>
-        </p:blipFill>
-        <p:spPr>
-          <a:xfrm>
-            <a:off x="5818387" y="443093"/>
-            <a:ext cx="736600" cy="2895600"/>
-          </a:xfrm>
-          <a:prstGeom prst="rect">
-            <a:avLst/>
-          </a:prstGeom>
-          <a:ln>
-            <a:noFill/>
-          </a:ln>
-          <a:effectLst>
-            <a:outerShdw blurRad="184150" dist="241300" dir="11520000" sx="110000" sy="110000" algn="ctr">
-              <a:srgbClr val="000000">
-                <a:alpha val="18000"/>
-              </a:srgbClr>
-            </a:outerShdw>
-          </a:effectLst>
-          <a:scene3d>
-            <a:camera prst="isometricOffAxis1Left"/>
-            <a:lightRig rig="flood" dir="t">
-              <a:rot lat="0" lon="0" rev="13800000"/>
-            </a:lightRig>
-          </a:scene3d>
-          <a:sp3d extrusionH="107950" prstMaterial="plastic">
-            <a:bevelT w="82550" h="63500" prst="divot"/>
-            <a:bevelB/>
-          </a:sp3d>
-        </p:spPr>
-      </p:pic>
     </p:spTree>
+    <p:custDataLst>
+      <p:tags r:id="rId1"/>
+    </p:custDataLst>
     <p:extLst>
       <p:ext uri="{BB962C8B-B14F-4D97-AF65-F5344CB8AC3E}">
         <p14:creationId xmlns:p14="http://schemas.microsoft.com/office/powerpoint/2010/main" val="1235014786"/>
@@ -4221,6 +4692,14 @@
   <p:clrMapOvr>
     <a:masterClrMapping/>
   </p:clrMapOvr>
+  <mc:AlternateContent xmlns:mc="http://schemas.openxmlformats.org/markup-compatibility/2006">
+    <mc:Choice xmlns:p14="http://schemas.microsoft.com/office/powerpoint/2010/main" Requires="p14">
+      <p:transition spd="slow" p14:dur="2000" advTm="4475"/>
+    </mc:Choice>
+    <mc:Fallback>
+      <p:transition spd="slow" advTm="4475"/>
+    </mc:Fallback>
+  </mc:AlternateContent>
   <p:timing>
     <p:tnLst>
       <p:par>
@@ -4264,30 +4743,21 @@
                             </p:childTnLst>
                           </p:cTn>
                         </p:par>
-                      </p:childTnLst>
-                    </p:cTn>
-                  </p:par>
-                  <p:par>
-                    <p:cTn id="7" fill="hold">
-                      <p:stCondLst>
-                        <p:cond delay="indefinite"/>
-                      </p:stCondLst>
-                      <p:childTnLst>
                         <p:par>
-                          <p:cTn id="8" fill="hold">
+                          <p:cTn id="7" fill="hold">
                             <p:stCondLst>
-                              <p:cond delay="0"/>
+                              <p:cond delay="400"/>
                             </p:stCondLst>
                             <p:childTnLst>
                               <p:par>
-                                <p:cTn id="9" presetID="8" presetClass="emph" presetSubtype="0" fill="hold" nodeType="clickEffect">
+                                <p:cTn id="8" presetID="8" presetClass="emph" presetSubtype="0" fill="hold" nodeType="afterEffect">
                                   <p:stCondLst>
                                     <p:cond delay="0"/>
                                   </p:stCondLst>
                                   <p:childTnLst>
                                     <p:animRot by="3600000">
                                       <p:cBhvr>
-                                        <p:cTn id="10" dur="400" fill="hold"/>
+                                        <p:cTn id="9" dur="400" fill="hold"/>
                                         <p:tgtEl>
                                           <p:spTgt spid="28"/>
                                         </p:tgtEl>
@@ -4302,30 +4772,21 @@
                             </p:childTnLst>
                           </p:cTn>
                         </p:par>
-                      </p:childTnLst>
-                    </p:cTn>
-                  </p:par>
-                  <p:par>
-                    <p:cTn id="11" fill="hold">
-                      <p:stCondLst>
-                        <p:cond delay="indefinite"/>
-                      </p:stCondLst>
-                      <p:childTnLst>
                         <p:par>
-                          <p:cTn id="12" fill="hold">
+                          <p:cTn id="10" fill="hold">
                             <p:stCondLst>
-                              <p:cond delay="0"/>
+                              <p:cond delay="800"/>
                             </p:stCondLst>
                             <p:childTnLst>
                               <p:par>
-                                <p:cTn id="13" presetID="8" presetClass="emph" presetSubtype="0" fill="hold" nodeType="clickEffect">
+                                <p:cTn id="11" presetID="8" presetClass="emph" presetSubtype="0" fill="hold" nodeType="afterEffect">
                                   <p:stCondLst>
                                     <p:cond delay="0"/>
                                   </p:stCondLst>
                                   <p:childTnLst>
                                     <p:animRot by="3600000">
                                       <p:cBhvr>
-                                        <p:cTn id="14" dur="400" fill="hold"/>
+                                        <p:cTn id="12" dur="400" fill="hold"/>
                                         <p:tgtEl>
                                           <p:spTgt spid="30"/>
                                         </p:tgtEl>
@@ -4340,30 +4801,21 @@
                             </p:childTnLst>
                           </p:cTn>
                         </p:par>
-                      </p:childTnLst>
-                    </p:cTn>
-                  </p:par>
-                  <p:par>
-                    <p:cTn id="15" fill="hold">
-                      <p:stCondLst>
-                        <p:cond delay="indefinite"/>
-                      </p:stCondLst>
-                      <p:childTnLst>
                         <p:par>
-                          <p:cTn id="16" fill="hold">
+                          <p:cTn id="13" fill="hold">
                             <p:stCondLst>
-                              <p:cond delay="0"/>
+                              <p:cond delay="1200"/>
                             </p:stCondLst>
                             <p:childTnLst>
                               <p:par>
-                                <p:cTn id="17" presetID="8" presetClass="emph" presetSubtype="0" fill="hold" nodeType="clickEffect">
+                                <p:cTn id="14" presetID="8" presetClass="emph" presetSubtype="0" fill="hold" nodeType="afterEffect">
                                   <p:stCondLst>
                                     <p:cond delay="0"/>
                                   </p:stCondLst>
                                   <p:childTnLst>
                                     <p:animRot by="3600000">
                                       <p:cBhvr>
-                                        <p:cTn id="18" dur="400" fill="hold"/>
+                                        <p:cTn id="15" dur="400" fill="hold"/>
                                         <p:tgtEl>
                                           <p:spTgt spid="32"/>
                                         </p:tgtEl>
@@ -4378,32 +4830,52 @@
                             </p:childTnLst>
                           </p:cTn>
                         </p:par>
-                      </p:childTnLst>
-                    </p:cTn>
-                  </p:par>
-                  <p:par>
-                    <p:cTn id="19" fill="hold">
-                      <p:stCondLst>
-                        <p:cond delay="indefinite"/>
-                      </p:stCondLst>
-                      <p:childTnLst>
                         <p:par>
-                          <p:cTn id="20" fill="hold">
+                          <p:cTn id="16" fill="hold">
                             <p:stCondLst>
-                              <p:cond delay="0"/>
+                              <p:cond delay="1600"/>
                             </p:stCondLst>
                             <p:childTnLst>
                               <p:par>
-                                <p:cTn id="21" presetID="8" presetClass="emph" presetSubtype="0" fill="hold" nodeType="clickEffect">
+                                <p:cTn id="17" presetID="8" presetClass="emph" presetSubtype="0" fill="hold" nodeType="afterEffect">
+                                  <p:stCondLst>
+                                    <p:cond delay="0"/>
+                                  </p:stCondLst>
+                                  <p:childTnLst>
+                                    <p:animRot by="5400000">
+                                      <p:cBhvr>
+                                        <p:cTn id="18" dur="400" fill="hold"/>
+                                        <p:tgtEl>
+                                          <p:spTgt spid="34"/>
+                                        </p:tgtEl>
+                                        <p:attrNameLst>
+                                          <p:attrName>r</p:attrName>
+                                        </p:attrNameLst>
+                                      </p:cBhvr>
+                                    </p:animRot>
+                                  </p:childTnLst>
+                                </p:cTn>
+                              </p:par>
+                            </p:childTnLst>
+                          </p:cTn>
+                        </p:par>
+                        <p:par>
+                          <p:cTn id="19" fill="hold">
+                            <p:stCondLst>
+                              <p:cond delay="2000"/>
+                            </p:stCondLst>
+                            <p:childTnLst>
+                              <p:par>
+                                <p:cTn id="20" presetID="8" presetClass="emph" presetSubtype="0" fill="hold" nodeType="afterEffect">
                                   <p:stCondLst>
                                     <p:cond delay="0"/>
                                   </p:stCondLst>
                                   <p:childTnLst>
                                     <p:animRot by="3600000">
                                       <p:cBhvr>
-                                        <p:cTn id="22" dur="400" fill="hold"/>
+                                        <p:cTn id="21" dur="400" fill="hold"/>
                                         <p:tgtEl>
-                                          <p:spTgt spid="34"/>
+                                          <p:spTgt spid="11"/>
                                         </p:tgtEl>
                                         <p:attrNameLst>
                                           <p:attrName>r</p:attrName>
@@ -4463,10 +4935,10 @@
       </p:grpSpPr>
       <p:pic>
         <p:nvPicPr>
-          <p:cNvPr id="26" name="Grafik 25" descr="Ein Bild, das Text, Screenshot, Schrift, Schwarz enthält.&#10;&#10;Automatisch generierte Beschreibung">
+          <p:cNvPr id="30" name="Grafik 29" descr="Ein Bild, das Text, Screenshot, Schrift, Grafiken enthält.&#10;&#10;Automatisch generierte Beschreibung">
             <a:extLst>
               <a:ext uri="{FF2B5EF4-FFF2-40B4-BE49-F238E27FC236}">
-                <a16:creationId xmlns:a16="http://schemas.microsoft.com/office/drawing/2014/main" id="{4DBA41F0-7162-99F6-4229-3AA63A4B5385}"/>
+                <a16:creationId xmlns:a16="http://schemas.microsoft.com/office/drawing/2014/main" id="{6081AF61-D865-5BA2-A2D5-960613799C42}"/>
               </a:ext>
             </a:extLst>
           </p:cNvPr>
@@ -4476,15 +4948,15 @@
           <p:nvPr/>
         </p:nvPicPr>
         <p:blipFill>
-          <a:blip r:embed="rId2"/>
+          <a:blip r:embed="rId3"/>
           <a:stretch>
             <a:fillRect/>
           </a:stretch>
         </p:blipFill>
         <p:spPr>
           <a:xfrm>
-            <a:off x="904825" y="1007333"/>
-            <a:ext cx="736600" cy="2895600"/>
+            <a:off x="3131016" y="1187759"/>
+            <a:ext cx="736600" cy="2959100"/>
           </a:xfrm>
           <a:prstGeom prst="rect">
             <a:avLst/>
@@ -4513,10 +4985,10 @@
       </p:pic>
       <p:pic>
         <p:nvPicPr>
-          <p:cNvPr id="28" name="Grafik 27" descr="Ein Bild, das Screenshot, Schwarz, Schrift, Schwarzweiß enthält.&#10;&#10;Automatisch generierte Beschreibung">
+          <p:cNvPr id="32" name="Grafik 31" descr="Ein Bild, das Screenshot, Text, Schrift, Schwarz enthält.&#10;&#10;Automatisch generierte Beschreibung">
             <a:extLst>
               <a:ext uri="{FF2B5EF4-FFF2-40B4-BE49-F238E27FC236}">
-                <a16:creationId xmlns:a16="http://schemas.microsoft.com/office/drawing/2014/main" id="{40AC337B-AC99-93B0-395F-61265FA2FA96}"/>
+                <a16:creationId xmlns:a16="http://schemas.microsoft.com/office/drawing/2014/main" id="{FDCE9987-902A-EA03-721B-CE767041AE34}"/>
               </a:ext>
             </a:extLst>
           </p:cNvPr>
@@ -4526,15 +4998,15 @@
           <p:nvPr/>
         </p:nvPicPr>
         <p:blipFill>
-          <a:blip r:embed="rId3"/>
+          <a:blip r:embed="rId4"/>
           <a:stretch>
             <a:fillRect/>
           </a:stretch>
         </p:blipFill>
         <p:spPr>
           <a:xfrm>
-            <a:off x="2160806" y="871389"/>
-            <a:ext cx="736600" cy="2895600"/>
+            <a:off x="5157030" y="990405"/>
+            <a:ext cx="736600" cy="2946400"/>
           </a:xfrm>
           <a:prstGeom prst="rect">
             <a:avLst/>
@@ -4563,10 +5035,10 @@
       </p:pic>
       <p:pic>
         <p:nvPicPr>
-          <p:cNvPr id="30" name="Grafik 29" descr="Ein Bild, das Text, Screenshot, Schrift, Grafiken enthält.&#10;&#10;Automatisch generierte Beschreibung">
+          <p:cNvPr id="34" name="Grafik 33" descr="Ein Bild, das Text, Screenshot, Schrift, Schwarz enthält.&#10;&#10;Automatisch generierte Beschreibung">
             <a:extLst>
               <a:ext uri="{FF2B5EF4-FFF2-40B4-BE49-F238E27FC236}">
-                <a16:creationId xmlns:a16="http://schemas.microsoft.com/office/drawing/2014/main" id="{6081AF61-D865-5BA2-A2D5-960613799C42}"/>
+                <a16:creationId xmlns:a16="http://schemas.microsoft.com/office/drawing/2014/main" id="{A05D0146-AE43-2F39-8765-3F368F5624D8}"/>
               </a:ext>
             </a:extLst>
           </p:cNvPr>
@@ -4576,15 +5048,15 @@
           <p:nvPr/>
         </p:nvPicPr>
         <p:blipFill>
-          <a:blip r:embed="rId4"/>
+          <a:blip r:embed="rId5"/>
           <a:stretch>
             <a:fillRect/>
           </a:stretch>
         </p:blipFill>
         <p:spPr>
           <a:xfrm>
-            <a:off x="3413821" y="669281"/>
-            <a:ext cx="736600" cy="2959100"/>
+            <a:off x="6183274" y="905009"/>
+            <a:ext cx="736600" cy="2895600"/>
           </a:xfrm>
           <a:prstGeom prst="rect">
             <a:avLst/>
@@ -4613,10 +5085,10 @@
       </p:pic>
       <p:pic>
         <p:nvPicPr>
-          <p:cNvPr id="32" name="Grafik 31" descr="Ein Bild, das Screenshot, Text, Schrift, Schwarz enthält.&#10;&#10;Automatisch generierte Beschreibung">
+          <p:cNvPr id="28" name="Grafik 27" descr="Ein Bild, das Screenshot, Schwarz, Schrift, Schwarzweiß enthält.&#10;&#10;Automatisch generierte Beschreibung">
             <a:extLst>
               <a:ext uri="{FF2B5EF4-FFF2-40B4-BE49-F238E27FC236}">
-                <a16:creationId xmlns:a16="http://schemas.microsoft.com/office/drawing/2014/main" id="{FDCE9987-902A-EA03-721B-CE767041AE34}"/>
+                <a16:creationId xmlns:a16="http://schemas.microsoft.com/office/drawing/2014/main" id="{40AC337B-AC99-93B0-395F-61265FA2FA96}"/>
               </a:ext>
             </a:extLst>
           </p:cNvPr>
@@ -4626,15 +5098,15 @@
           <p:nvPr/>
         </p:nvPicPr>
         <p:blipFill>
-          <a:blip r:embed="rId5"/>
+          <a:blip r:embed="rId6"/>
           <a:stretch>
             <a:fillRect/>
           </a:stretch>
         </p:blipFill>
         <p:spPr>
           <a:xfrm>
-            <a:off x="4666836" y="528489"/>
-            <a:ext cx="736600" cy="2946400"/>
+            <a:off x="1981693" y="1371013"/>
+            <a:ext cx="736600" cy="2895600"/>
           </a:xfrm>
           <a:prstGeom prst="rect">
             <a:avLst/>
@@ -4663,10 +5135,10 @@
       </p:pic>
       <p:pic>
         <p:nvPicPr>
-          <p:cNvPr id="34" name="Grafik 33" descr="Ein Bild, das Text, Screenshot, Schrift, Schwarz enthält.&#10;&#10;Automatisch generierte Beschreibung">
+          <p:cNvPr id="26" name="Grafik 25" descr="Ein Bild, das Text, Screenshot, Schrift, Schwarz enthält.&#10;&#10;Automatisch generierte Beschreibung">
             <a:extLst>
               <a:ext uri="{FF2B5EF4-FFF2-40B4-BE49-F238E27FC236}">
-                <a16:creationId xmlns:a16="http://schemas.microsoft.com/office/drawing/2014/main" id="{A05D0146-AE43-2F39-8765-3F368F5624D8}"/>
+                <a16:creationId xmlns:a16="http://schemas.microsoft.com/office/drawing/2014/main" id="{4DBA41F0-7162-99F6-4229-3AA63A4B5385}"/>
               </a:ext>
             </a:extLst>
           </p:cNvPr>
@@ -4676,14 +5148,14 @@
           <p:nvPr/>
         </p:nvPicPr>
         <p:blipFill>
-          <a:blip r:embed="rId6"/>
+          <a:blip r:embed="rId7"/>
           <a:stretch>
             <a:fillRect/>
           </a:stretch>
         </p:blipFill>
         <p:spPr>
           <a:xfrm>
-            <a:off x="5928749" y="443093"/>
+            <a:off x="914252" y="1431541"/>
             <a:ext cx="736600" cy="2895600"/>
           </a:xfrm>
           <a:prstGeom prst="rect">
@@ -4742,7 +5214,7 @@
                             </p:stCondLst>
                             <p:childTnLst>
                               <p:par>
-                                <p:cTn id="5" presetID="8" presetClass="emph" presetSubtype="0" fill="hold" nodeType="clickEffect">
+                                <p:cTn id="5" presetID="8" presetClass="emph" presetSubtype="0" accel="50000" decel="50000" fill="hold" nodeType="clickEffect">
                                   <p:stCondLst>
                                     <p:cond delay="0"/>
                                   </p:stCondLst>
@@ -4764,30 +5236,21 @@
                             </p:childTnLst>
                           </p:cTn>
                         </p:par>
-                      </p:childTnLst>
-                    </p:cTn>
-                  </p:par>
-                  <p:par>
-                    <p:cTn id="7" fill="hold">
-                      <p:stCondLst>
-                        <p:cond delay="indefinite"/>
-                      </p:stCondLst>
-                      <p:childTnLst>
                         <p:par>
-                          <p:cTn id="8" fill="hold">
+                          <p:cTn id="7" fill="hold">
                             <p:stCondLst>
-                              <p:cond delay="0"/>
+                              <p:cond delay="400"/>
                             </p:stCondLst>
                             <p:childTnLst>
                               <p:par>
-                                <p:cTn id="9" presetID="8" presetClass="emph" presetSubtype="0" fill="hold" nodeType="clickEffect">
+                                <p:cTn id="8" presetID="8" presetClass="emph" presetSubtype="0" accel="50000" decel="50000" fill="hold" nodeType="afterEffect">
                                   <p:stCondLst>
                                     <p:cond delay="0"/>
                                   </p:stCondLst>
                                   <p:childTnLst>
                                     <p:animRot by="3600000">
                                       <p:cBhvr>
-                                        <p:cTn id="10" dur="400" fill="hold"/>
+                                        <p:cTn id="9" dur="400" fill="hold"/>
                                         <p:tgtEl>
                                           <p:spTgt spid="28"/>
                                         </p:tgtEl>
@@ -4802,30 +5265,21 @@
                             </p:childTnLst>
                           </p:cTn>
                         </p:par>
-                      </p:childTnLst>
-                    </p:cTn>
-                  </p:par>
-                  <p:par>
-                    <p:cTn id="11" fill="hold">
-                      <p:stCondLst>
-                        <p:cond delay="indefinite"/>
-                      </p:stCondLst>
-                      <p:childTnLst>
                         <p:par>
-                          <p:cTn id="12" fill="hold">
+                          <p:cTn id="10" fill="hold">
                             <p:stCondLst>
-                              <p:cond delay="0"/>
+                              <p:cond delay="800"/>
                             </p:stCondLst>
                             <p:childTnLst>
                               <p:par>
-                                <p:cTn id="13" presetID="8" presetClass="emph" presetSubtype="0" fill="hold" nodeType="clickEffect">
+                                <p:cTn id="11" presetID="8" presetClass="emph" presetSubtype="0" accel="50000" decel="50000" fill="hold" nodeType="afterEffect">
                                   <p:stCondLst>
                                     <p:cond delay="0"/>
                                   </p:stCondLst>
                                   <p:childTnLst>
-                                    <p:animRot by="1200000">
+                                    <p:animRot by="5400000">
                                       <p:cBhvr>
-                                        <p:cTn id="14" dur="400" fill="hold"/>
+                                        <p:cTn id="12" dur="400" fill="hold"/>
                                         <p:tgtEl>
                                           <p:spTgt spid="30"/>
                                         </p:tgtEl>
@@ -4887,10 +5341,10 @@
       </p:grpSpPr>
       <p:pic>
         <p:nvPicPr>
-          <p:cNvPr id="26" name="Grafik 25" descr="Ein Bild, das Text, Screenshot, Schrift, Schwarz enthält.&#10;&#10;Automatisch generierte Beschreibung">
+          <p:cNvPr id="30" name="Grafik 29" descr="Ein Bild, das Text, Screenshot, Schrift, Grafiken enthält.&#10;&#10;Automatisch generierte Beschreibung">
             <a:extLst>
               <a:ext uri="{FF2B5EF4-FFF2-40B4-BE49-F238E27FC236}">
-                <a16:creationId xmlns:a16="http://schemas.microsoft.com/office/drawing/2014/main" id="{4DBA41F0-7162-99F6-4229-3AA63A4B5385}"/>
+                <a16:creationId xmlns:a16="http://schemas.microsoft.com/office/drawing/2014/main" id="{6081AF61-D865-5BA2-A2D5-960613799C42}"/>
               </a:ext>
             </a:extLst>
           </p:cNvPr>
@@ -4900,15 +5354,15 @@
           <p:nvPr/>
         </p:nvPicPr>
         <p:blipFill>
-          <a:blip r:embed="rId2"/>
+          <a:blip r:embed="rId3"/>
           <a:stretch>
             <a:fillRect/>
           </a:stretch>
         </p:blipFill>
         <p:spPr>
           <a:xfrm>
-            <a:off x="904825" y="1007333"/>
-            <a:ext cx="736600" cy="2895600"/>
+            <a:off x="3413821" y="1112343"/>
+            <a:ext cx="736600" cy="2959100"/>
           </a:xfrm>
           <a:prstGeom prst="rect">
             <a:avLst/>
@@ -4950,14 +5404,14 @@
           <p:nvPr/>
         </p:nvPicPr>
         <p:blipFill>
-          <a:blip r:embed="rId3"/>
+          <a:blip r:embed="rId4"/>
           <a:stretch>
             <a:fillRect/>
           </a:stretch>
         </p:blipFill>
         <p:spPr>
           <a:xfrm>
-            <a:off x="2160806" y="871389"/>
+            <a:off x="2160806" y="1314451"/>
             <a:ext cx="736600" cy="2895600"/>
           </a:xfrm>
           <a:prstGeom prst="rect">
@@ -4987,10 +5441,10 @@
       </p:pic>
       <p:pic>
         <p:nvPicPr>
-          <p:cNvPr id="30" name="Grafik 29" descr="Ein Bild, das Text, Screenshot, Schrift, Grafiken enthält.&#10;&#10;Automatisch generierte Beschreibung">
+          <p:cNvPr id="26" name="Grafik 25" descr="Ein Bild, das Text, Screenshot, Schrift, Schwarz enthält.&#10;&#10;Automatisch generierte Beschreibung">
             <a:extLst>
               <a:ext uri="{FF2B5EF4-FFF2-40B4-BE49-F238E27FC236}">
-                <a16:creationId xmlns:a16="http://schemas.microsoft.com/office/drawing/2014/main" id="{6081AF61-D865-5BA2-A2D5-960613799C42}"/>
+                <a16:creationId xmlns:a16="http://schemas.microsoft.com/office/drawing/2014/main" id="{4DBA41F0-7162-99F6-4229-3AA63A4B5385}"/>
               </a:ext>
             </a:extLst>
           </p:cNvPr>
@@ -5000,15 +5454,15 @@
           <p:nvPr/>
         </p:nvPicPr>
         <p:blipFill>
-          <a:blip r:embed="rId4"/>
+          <a:blip r:embed="rId5"/>
           <a:stretch>
             <a:fillRect/>
           </a:stretch>
         </p:blipFill>
         <p:spPr>
           <a:xfrm>
-            <a:off x="3413821" y="669281"/>
-            <a:ext cx="736600" cy="2959100"/>
+            <a:off x="1027376" y="1422114"/>
+            <a:ext cx="736600" cy="2895600"/>
           </a:xfrm>
           <a:prstGeom prst="rect">
             <a:avLst/>
@@ -5050,14 +5504,14 @@
           <p:nvPr/>
         </p:nvPicPr>
         <p:blipFill>
-          <a:blip r:embed="rId5"/>
+          <a:blip r:embed="rId6"/>
           <a:stretch>
             <a:fillRect/>
           </a:stretch>
         </p:blipFill>
         <p:spPr>
           <a:xfrm>
-            <a:off x="4666836" y="528489"/>
+            <a:off x="4666836" y="971551"/>
             <a:ext cx="736600" cy="2946400"/>
           </a:xfrm>
           <a:prstGeom prst="rect">
@@ -5100,14 +5554,14 @@
           <p:nvPr/>
         </p:nvPicPr>
         <p:blipFill>
-          <a:blip r:embed="rId6"/>
+          <a:blip r:embed="rId7"/>
           <a:stretch>
             <a:fillRect/>
           </a:stretch>
         </p:blipFill>
         <p:spPr>
           <a:xfrm>
-            <a:off x="5928749" y="443093"/>
+            <a:off x="5928749" y="886155"/>
             <a:ext cx="736600" cy="2895600"/>
           </a:xfrm>
           <a:prstGeom prst="rect">
@@ -5188,32 +5642,81 @@
                             </p:childTnLst>
                           </p:cTn>
                         </p:par>
-                      </p:childTnLst>
-                    </p:cTn>
-                  </p:par>
-                  <p:par>
-                    <p:cTn id="7" fill="hold">
-                      <p:stCondLst>
-                        <p:cond delay="indefinite"/>
-                      </p:stCondLst>
-                      <p:childTnLst>
                         <p:par>
-                          <p:cTn id="8" fill="hold">
+                          <p:cTn id="7" fill="hold">
                             <p:stCondLst>
-                              <p:cond delay="0"/>
+                              <p:cond delay="400"/>
                             </p:stCondLst>
                             <p:childTnLst>
                               <p:par>
-                                <p:cTn id="9" presetID="8" presetClass="emph" presetSubtype="0" fill="hold" nodeType="clickEffect">
+                                <p:cTn id="8" presetID="8" presetClass="emph" presetSubtype="0" fill="hold" nodeType="afterEffect">
                                   <p:stCondLst>
                                     <p:cond delay="0"/>
                                   </p:stCondLst>
                                   <p:childTnLst>
                                     <p:animRot by="3600000">
                                       <p:cBhvr>
-                                        <p:cTn id="10" dur="400" fill="hold"/>
+                                        <p:cTn id="9" dur="400" fill="hold"/>
                                         <p:tgtEl>
                                           <p:spTgt spid="28"/>
+                                        </p:tgtEl>
+                                        <p:attrNameLst>
+                                          <p:attrName>r</p:attrName>
+                                        </p:attrNameLst>
+                                      </p:cBhvr>
+                                    </p:animRot>
+                                  </p:childTnLst>
+                                </p:cTn>
+                              </p:par>
+                            </p:childTnLst>
+                          </p:cTn>
+                        </p:par>
+                        <p:par>
+                          <p:cTn id="10" fill="hold">
+                            <p:stCondLst>
+                              <p:cond delay="800"/>
+                            </p:stCondLst>
+                            <p:childTnLst>
+                              <p:par>
+                                <p:cTn id="11" presetID="8" presetClass="emph" presetSubtype="0" accel="50000" decel="50000" autoRev="1" fill="hold" nodeType="afterEffect">
+                                  <p:stCondLst>
+                                    <p:cond delay="200"/>
+                                  </p:stCondLst>
+                                  <p:childTnLst>
+                                    <p:animRot by="1200000">
+                                      <p:cBhvr>
+                                        <p:cTn id="12" dur="700" fill="hold"/>
+                                        <p:tgtEl>
+                                          <p:spTgt spid="30"/>
+                                        </p:tgtEl>
+                                        <p:attrNameLst>
+                                          <p:attrName>r</p:attrName>
+                                        </p:attrNameLst>
+                                      </p:cBhvr>
+                                    </p:animRot>
+                                  </p:childTnLst>
+                                </p:cTn>
+                              </p:par>
+                            </p:childTnLst>
+                          </p:cTn>
+                        </p:par>
+                        <p:par>
+                          <p:cTn id="13" fill="hold">
+                            <p:stCondLst>
+                              <p:cond delay="2400"/>
+                            </p:stCondLst>
+                            <p:childTnLst>
+                              <p:par>
+                                <p:cTn id="14" presetID="8" presetClass="emph" presetSubtype="0" accel="50000" decel="50000" autoRev="1" fill="hold" nodeType="afterEffect">
+                                  <p:stCondLst>
+                                    <p:cond delay="200"/>
+                                  </p:stCondLst>
+                                  <p:childTnLst>
+                                    <p:animRot by="600000">
+                                      <p:cBhvr>
+                                        <p:cTn id="15" dur="700" fill="hold"/>
+                                        <p:tgtEl>
+                                          <p:spTgt spid="30"/>
                                         </p:tgtEl>
                                         <p:attrNameLst>
                                           <p:attrName>r</p:attrName>
@@ -5257,14 +5760,6 @@
 <file path=ppt/slides/slide5.xml><?xml version="1.0" encoding="utf-8"?>
 <p:sld xmlns:a="http://schemas.openxmlformats.org/drawingml/2006/main" xmlns:r="http://schemas.openxmlformats.org/officeDocument/2006/relationships" xmlns:p="http://schemas.openxmlformats.org/presentationml/2006/main">
   <p:cSld>
-    <p:bg>
-      <p:bgPr>
-        <a:solidFill>
-          <a:srgbClr val="F2F2F2"/>
-        </a:solidFill>
-        <a:effectLst/>
-      </p:bgPr>
-    </p:bg>
     <p:spTree>
       <p:nvGrpSpPr>
         <p:cNvPr id="1" name=""/>
@@ -5281,10 +5776,10 @@
       </p:grpSpPr>
       <p:pic>
         <p:nvPicPr>
-          <p:cNvPr id="26" name="Grafik 25" descr="Ein Bild, das Text, Screenshot, Schrift, Schwarz enthält.&#10;&#10;Automatisch generierte Beschreibung">
+          <p:cNvPr id="28" name="Grafik 27" descr="Ein Bild, das Screenshot, Schwarz, Schrift, Schwarzweiß enthält.&#10;&#10;Automatisch generierte Beschreibung">
             <a:extLst>
               <a:ext uri="{FF2B5EF4-FFF2-40B4-BE49-F238E27FC236}">
-                <a16:creationId xmlns:a16="http://schemas.microsoft.com/office/drawing/2014/main" id="{4DBA41F0-7162-99F6-4229-3AA63A4B5385}"/>
+                <a16:creationId xmlns:a16="http://schemas.microsoft.com/office/drawing/2014/main" id="{40AC337B-AC99-93B0-395F-61265FA2FA96}"/>
               </a:ext>
             </a:extLst>
           </p:cNvPr>
@@ -5294,14 +5789,14 @@
           <p:nvPr/>
         </p:nvPicPr>
         <p:blipFill>
-          <a:blip r:embed="rId2"/>
+          <a:blip r:embed="rId3"/>
           <a:stretch>
             <a:fillRect/>
           </a:stretch>
         </p:blipFill>
         <p:spPr>
           <a:xfrm>
-            <a:off x="904825" y="1007333"/>
+            <a:off x="2160806" y="1314449"/>
             <a:ext cx="736600" cy="2895600"/>
           </a:xfrm>
           <a:prstGeom prst="rect">
@@ -5331,10 +5826,10 @@
       </p:pic>
       <p:pic>
         <p:nvPicPr>
-          <p:cNvPr id="28" name="Grafik 27" descr="Ein Bild, das Screenshot, Schwarz, Schrift, Schwarzweiß enthält.&#10;&#10;Automatisch generierte Beschreibung">
+          <p:cNvPr id="32" name="Grafik 31" descr="Ein Bild, das Screenshot, Text, Schrift, Schwarz enthält.&#10;&#10;Automatisch generierte Beschreibung">
             <a:extLst>
               <a:ext uri="{FF2B5EF4-FFF2-40B4-BE49-F238E27FC236}">
-                <a16:creationId xmlns:a16="http://schemas.microsoft.com/office/drawing/2014/main" id="{40AC337B-AC99-93B0-395F-61265FA2FA96}"/>
+                <a16:creationId xmlns:a16="http://schemas.microsoft.com/office/drawing/2014/main" id="{FDCE9987-902A-EA03-721B-CE767041AE34}"/>
               </a:ext>
             </a:extLst>
           </p:cNvPr>
@@ -5344,15 +5839,15 @@
           <p:nvPr/>
         </p:nvPicPr>
         <p:blipFill>
-          <a:blip r:embed="rId3"/>
+          <a:blip r:embed="rId4"/>
           <a:stretch>
             <a:fillRect/>
           </a:stretch>
         </p:blipFill>
         <p:spPr>
           <a:xfrm>
-            <a:off x="2160806" y="871389"/>
-            <a:ext cx="736600" cy="2895600"/>
+            <a:off x="4619701" y="971549"/>
+            <a:ext cx="736600" cy="2946400"/>
           </a:xfrm>
           <a:prstGeom prst="rect">
             <a:avLst/>
@@ -5381,10 +5876,10 @@
       </p:pic>
       <p:pic>
         <p:nvPicPr>
-          <p:cNvPr id="30" name="Grafik 29" descr="Ein Bild, das Text, Screenshot, Schrift, Grafiken enthält.&#10;&#10;Automatisch generierte Beschreibung">
+          <p:cNvPr id="34" name="Grafik 33" descr="Ein Bild, das Text, Screenshot, Schrift, Schwarz enthält.&#10;&#10;Automatisch generierte Beschreibung">
             <a:extLst>
               <a:ext uri="{FF2B5EF4-FFF2-40B4-BE49-F238E27FC236}">
-                <a16:creationId xmlns:a16="http://schemas.microsoft.com/office/drawing/2014/main" id="{6081AF61-D865-5BA2-A2D5-960613799C42}"/>
+                <a16:creationId xmlns:a16="http://schemas.microsoft.com/office/drawing/2014/main" id="{A05D0146-AE43-2F39-8765-3F368F5624D8}"/>
               </a:ext>
             </a:extLst>
           </p:cNvPr>
@@ -5394,15 +5889,15 @@
           <p:nvPr/>
         </p:nvPicPr>
         <p:blipFill>
-          <a:blip r:embed="rId4"/>
+          <a:blip r:embed="rId5"/>
           <a:stretch>
             <a:fillRect/>
           </a:stretch>
         </p:blipFill>
         <p:spPr>
           <a:xfrm>
-            <a:off x="3413821" y="669281"/>
-            <a:ext cx="736600" cy="2959100"/>
+            <a:off x="5900468" y="886153"/>
+            <a:ext cx="736600" cy="2895600"/>
           </a:xfrm>
           <a:prstGeom prst="rect">
             <a:avLst/>
@@ -5431,10 +5926,10 @@
       </p:pic>
       <p:pic>
         <p:nvPicPr>
-          <p:cNvPr id="32" name="Grafik 31" descr="Ein Bild, das Screenshot, Text, Schrift, Schwarz enthält.&#10;&#10;Automatisch generierte Beschreibung">
+          <p:cNvPr id="26" name="Grafik 25" descr="Ein Bild, das Text, Screenshot, Schrift, Schwarz enthält.&#10;&#10;Automatisch generierte Beschreibung">
             <a:extLst>
               <a:ext uri="{FF2B5EF4-FFF2-40B4-BE49-F238E27FC236}">
-                <a16:creationId xmlns:a16="http://schemas.microsoft.com/office/drawing/2014/main" id="{FDCE9987-902A-EA03-721B-CE767041AE34}"/>
+                <a16:creationId xmlns:a16="http://schemas.microsoft.com/office/drawing/2014/main" id="{4DBA41F0-7162-99F6-4229-3AA63A4B5385}"/>
               </a:ext>
             </a:extLst>
           </p:cNvPr>
@@ -5444,15 +5939,15 @@
           <p:nvPr/>
         </p:nvPicPr>
         <p:blipFill>
-          <a:blip r:embed="rId5"/>
+          <a:blip r:embed="rId6"/>
           <a:stretch>
             <a:fillRect/>
           </a:stretch>
         </p:blipFill>
         <p:spPr>
           <a:xfrm>
-            <a:off x="4666836" y="528489"/>
-            <a:ext cx="736600" cy="2946400"/>
+            <a:off x="1036803" y="1422112"/>
+            <a:ext cx="736600" cy="2895600"/>
           </a:xfrm>
           <a:prstGeom prst="rect">
             <a:avLst/>
@@ -5481,10 +5976,10 @@
       </p:pic>
       <p:pic>
         <p:nvPicPr>
-          <p:cNvPr id="34" name="Grafik 33" descr="Ein Bild, das Text, Screenshot, Schrift, Schwarz enthält.&#10;&#10;Automatisch generierte Beschreibung">
+          <p:cNvPr id="30" name="Grafik 29" descr="Ein Bild, das Text, Screenshot, Schrift, Grafiken enthält.&#10;&#10;Automatisch generierte Beschreibung">
             <a:extLst>
               <a:ext uri="{FF2B5EF4-FFF2-40B4-BE49-F238E27FC236}">
-                <a16:creationId xmlns:a16="http://schemas.microsoft.com/office/drawing/2014/main" id="{A05D0146-AE43-2F39-8765-3F368F5624D8}"/>
+                <a16:creationId xmlns:a16="http://schemas.microsoft.com/office/drawing/2014/main" id="{6081AF61-D865-5BA2-A2D5-960613799C42}"/>
               </a:ext>
             </a:extLst>
           </p:cNvPr>
@@ -5494,15 +5989,15 @@
           <p:nvPr/>
         </p:nvPicPr>
         <p:blipFill>
-          <a:blip r:embed="rId6"/>
+          <a:blip r:embed="rId7"/>
           <a:stretch>
             <a:fillRect/>
           </a:stretch>
         </p:blipFill>
         <p:spPr>
           <a:xfrm>
-            <a:off x="5928749" y="443093"/>
-            <a:ext cx="736600" cy="2895600"/>
+            <a:off x="3413821" y="1112341"/>
+            <a:ext cx="736600" cy="2959100"/>
           </a:xfrm>
           <a:prstGeom prst="rect">
             <a:avLst/>
@@ -5582,30 +6077,21 @@
                             </p:childTnLst>
                           </p:cTn>
                         </p:par>
-                      </p:childTnLst>
-                    </p:cTn>
-                  </p:par>
-                  <p:par>
-                    <p:cTn id="7" fill="hold">
-                      <p:stCondLst>
-                        <p:cond delay="indefinite"/>
-                      </p:stCondLst>
-                      <p:childTnLst>
                         <p:par>
-                          <p:cTn id="8" fill="hold">
+                          <p:cTn id="7" fill="hold">
                             <p:stCondLst>
-                              <p:cond delay="0"/>
+                              <p:cond delay="400"/>
                             </p:stCondLst>
                             <p:childTnLst>
                               <p:par>
-                                <p:cTn id="9" presetID="8" presetClass="emph" presetSubtype="0" fill="hold" nodeType="clickEffect">
+                                <p:cTn id="8" presetID="8" presetClass="emph" presetSubtype="0" fill="hold" nodeType="afterEffect">
                                   <p:stCondLst>
                                     <p:cond delay="0"/>
                                   </p:stCondLst>
                                   <p:childTnLst>
                                     <p:animRot by="3600000">
                                       <p:cBhvr>
-                                        <p:cTn id="10" dur="400" fill="hold"/>
+                                        <p:cTn id="9" dur="400" fill="hold"/>
                                         <p:tgtEl>
                                           <p:spTgt spid="28"/>
                                         </p:tgtEl>
@@ -5620,32 +6106,81 @@
                             </p:childTnLst>
                           </p:cTn>
                         </p:par>
-                      </p:childTnLst>
-                    </p:cTn>
-                  </p:par>
-                  <p:par>
-                    <p:cTn id="11" fill="hold">
-                      <p:stCondLst>
-                        <p:cond delay="indefinite"/>
-                      </p:stCondLst>
-                      <p:childTnLst>
                         <p:par>
-                          <p:cTn id="12" fill="hold">
+                          <p:cTn id="10" fill="hold">
                             <p:stCondLst>
-                              <p:cond delay="0"/>
+                              <p:cond delay="800"/>
                             </p:stCondLst>
                             <p:childTnLst>
                               <p:par>
-                                <p:cTn id="13" presetID="8" presetClass="emph" presetSubtype="0" fill="hold" nodeType="clickEffect">
+                                <p:cTn id="11" presetID="8" presetClass="emph" presetSubtype="0" fill="hold" nodeType="afterEffect">
                                   <p:stCondLst>
                                     <p:cond delay="0"/>
                                   </p:stCondLst>
                                   <p:childTnLst>
                                     <p:animRot by="3600000">
                                       <p:cBhvr>
-                                        <p:cTn id="14" dur="400" fill="hold"/>
+                                        <p:cTn id="12" dur="400" fill="hold"/>
                                         <p:tgtEl>
                                           <p:spTgt spid="30"/>
+                                        </p:tgtEl>
+                                        <p:attrNameLst>
+                                          <p:attrName>r</p:attrName>
+                                        </p:attrNameLst>
+                                      </p:cBhvr>
+                                    </p:animRot>
+                                  </p:childTnLst>
+                                </p:cTn>
+                              </p:par>
+                            </p:childTnLst>
+                          </p:cTn>
+                        </p:par>
+                        <p:par>
+                          <p:cTn id="13" fill="hold">
+                            <p:stCondLst>
+                              <p:cond delay="1200"/>
+                            </p:stCondLst>
+                            <p:childTnLst>
+                              <p:par>
+                                <p:cTn id="14" presetID="8" presetClass="emph" presetSubtype="0" accel="50000" decel="50000" autoRev="1" fill="hold" nodeType="afterEffect">
+                                  <p:stCondLst>
+                                    <p:cond delay="200"/>
+                                  </p:stCondLst>
+                                  <p:childTnLst>
+                                    <p:animRot by="1200000">
+                                      <p:cBhvr>
+                                        <p:cTn id="15" dur="600" fill="hold"/>
+                                        <p:tgtEl>
+                                          <p:spTgt spid="32"/>
+                                        </p:tgtEl>
+                                        <p:attrNameLst>
+                                          <p:attrName>r</p:attrName>
+                                        </p:attrNameLst>
+                                      </p:cBhvr>
+                                    </p:animRot>
+                                  </p:childTnLst>
+                                </p:cTn>
+                              </p:par>
+                            </p:childTnLst>
+                          </p:cTn>
+                        </p:par>
+                        <p:par>
+                          <p:cTn id="16" fill="hold">
+                            <p:stCondLst>
+                              <p:cond delay="2600"/>
+                            </p:stCondLst>
+                            <p:childTnLst>
+                              <p:par>
+                                <p:cTn id="17" presetID="8" presetClass="emph" presetSubtype="0" accel="50000" decel="50000" autoRev="1" fill="hold" nodeType="afterEffect">
+                                  <p:stCondLst>
+                                    <p:cond delay="200"/>
+                                  </p:stCondLst>
+                                  <p:childTnLst>
+                                    <p:animRot by="600000">
+                                      <p:cBhvr>
+                                        <p:cTn id="18" dur="600" fill="hold"/>
+                                        <p:tgtEl>
+                                          <p:spTgt spid="32"/>
                                         </p:tgtEl>
                                         <p:attrNameLst>
                                           <p:attrName>r</p:attrName>
@@ -5687,16 +6222,8 @@
 </file>
 
 <file path=ppt/slides/slide6.xml><?xml version="1.0" encoding="utf-8"?>
-<p:sld xmlns:a="http://schemas.openxmlformats.org/drawingml/2006/main" xmlns:r="http://schemas.openxmlformats.org/officeDocument/2006/relationships" xmlns:p="http://schemas.openxmlformats.org/presentationml/2006/main">
+<p:sld xmlns:a="http://schemas.openxmlformats.org/drawingml/2006/main" xmlns:r="http://schemas.openxmlformats.org/officeDocument/2006/relationships" xmlns:p="http://schemas.openxmlformats.org/presentationml/2006/main" show="0">
   <p:cSld>
-    <p:bg>
-      <p:bgPr>
-        <a:solidFill>
-          <a:srgbClr val="F2F2F2"/>
-        </a:solidFill>
-        <a:effectLst/>
-      </p:bgPr>
-    </p:bg>
     <p:spTree>
       <p:nvGrpSpPr>
         <p:cNvPr id="1" name=""/>
@@ -5713,10 +6240,10 @@
       </p:grpSpPr>
       <p:pic>
         <p:nvPicPr>
-          <p:cNvPr id="26" name="Grafik 25" descr="Ein Bild, das Text, Screenshot, Schrift, Schwarz enthält.&#10;&#10;Automatisch generierte Beschreibung">
+          <p:cNvPr id="30" name="Grafik 29" descr="Ein Bild, das Text, Screenshot, Schrift, Grafiken enthält.&#10;&#10;Automatisch generierte Beschreibung">
             <a:extLst>
               <a:ext uri="{FF2B5EF4-FFF2-40B4-BE49-F238E27FC236}">
-                <a16:creationId xmlns:a16="http://schemas.microsoft.com/office/drawing/2014/main" id="{4DBA41F0-7162-99F6-4229-3AA63A4B5385}"/>
+                <a16:creationId xmlns:a16="http://schemas.microsoft.com/office/drawing/2014/main" id="{6081AF61-D865-5BA2-A2D5-960613799C42}"/>
               </a:ext>
             </a:extLst>
           </p:cNvPr>
@@ -5726,15 +6253,15 @@
           <p:nvPr/>
         </p:nvPicPr>
         <p:blipFill>
-          <a:blip r:embed="rId2"/>
+          <a:blip r:embed="rId3"/>
           <a:stretch>
             <a:fillRect/>
           </a:stretch>
         </p:blipFill>
         <p:spPr>
           <a:xfrm>
-            <a:off x="904825" y="1007333"/>
-            <a:ext cx="736600" cy="2895600"/>
+            <a:off x="3413821" y="1112341"/>
+            <a:ext cx="736600" cy="2959100"/>
           </a:xfrm>
           <a:prstGeom prst="rect">
             <a:avLst/>
@@ -5776,14 +6303,14 @@
           <p:nvPr/>
         </p:nvPicPr>
         <p:blipFill>
-          <a:blip r:embed="rId3"/>
+          <a:blip r:embed="rId4"/>
           <a:stretch>
             <a:fillRect/>
           </a:stretch>
         </p:blipFill>
         <p:spPr>
           <a:xfrm>
-            <a:off x="2160806" y="871389"/>
+            <a:off x="2160806" y="1314449"/>
             <a:ext cx="736600" cy="2895600"/>
           </a:xfrm>
           <a:prstGeom prst="rect">
@@ -5813,10 +6340,10 @@
       </p:pic>
       <p:pic>
         <p:nvPicPr>
-          <p:cNvPr id="30" name="Grafik 29" descr="Ein Bild, das Text, Screenshot, Schrift, Grafiken enthält.&#10;&#10;Automatisch generierte Beschreibung">
+          <p:cNvPr id="32" name="Grafik 31" descr="Ein Bild, das Screenshot, Text, Schrift, Schwarz enthält.&#10;&#10;Automatisch generierte Beschreibung">
             <a:extLst>
               <a:ext uri="{FF2B5EF4-FFF2-40B4-BE49-F238E27FC236}">
-                <a16:creationId xmlns:a16="http://schemas.microsoft.com/office/drawing/2014/main" id="{6081AF61-D865-5BA2-A2D5-960613799C42}"/>
+                <a16:creationId xmlns:a16="http://schemas.microsoft.com/office/drawing/2014/main" id="{FDCE9987-902A-EA03-721B-CE767041AE34}"/>
               </a:ext>
             </a:extLst>
           </p:cNvPr>
@@ -5826,15 +6353,15 @@
           <p:nvPr/>
         </p:nvPicPr>
         <p:blipFill>
-          <a:blip r:embed="rId4"/>
+          <a:blip r:embed="rId5"/>
           <a:stretch>
             <a:fillRect/>
           </a:stretch>
         </p:blipFill>
         <p:spPr>
           <a:xfrm>
-            <a:off x="3413821" y="669281"/>
-            <a:ext cx="736600" cy="2959100"/>
+            <a:off x="4666836" y="971549"/>
+            <a:ext cx="736600" cy="2946400"/>
           </a:xfrm>
           <a:prstGeom prst="rect">
             <a:avLst/>
@@ -5863,10 +6390,10 @@
       </p:pic>
       <p:pic>
         <p:nvPicPr>
-          <p:cNvPr id="32" name="Grafik 31" descr="Ein Bild, das Screenshot, Text, Schrift, Schwarz enthält.&#10;&#10;Automatisch generierte Beschreibung">
+          <p:cNvPr id="34" name="Grafik 33" descr="Ein Bild, das Text, Screenshot, Schrift, Schwarz enthält.&#10;&#10;Automatisch generierte Beschreibung">
             <a:extLst>
               <a:ext uri="{FF2B5EF4-FFF2-40B4-BE49-F238E27FC236}">
-                <a16:creationId xmlns:a16="http://schemas.microsoft.com/office/drawing/2014/main" id="{FDCE9987-902A-EA03-721B-CE767041AE34}"/>
+                <a16:creationId xmlns:a16="http://schemas.microsoft.com/office/drawing/2014/main" id="{A05D0146-AE43-2F39-8765-3F368F5624D8}"/>
               </a:ext>
             </a:extLst>
           </p:cNvPr>
@@ -5876,15 +6403,15 @@
           <p:nvPr/>
         </p:nvPicPr>
         <p:blipFill>
-          <a:blip r:embed="rId5"/>
+          <a:blip r:embed="rId6"/>
           <a:stretch>
             <a:fillRect/>
           </a:stretch>
         </p:blipFill>
         <p:spPr>
           <a:xfrm>
-            <a:off x="4666836" y="528489"/>
-            <a:ext cx="736600" cy="2946400"/>
+            <a:off x="5928749" y="886153"/>
+            <a:ext cx="736600" cy="2895600"/>
           </a:xfrm>
           <a:prstGeom prst="rect">
             <a:avLst/>
@@ -5913,10 +6440,10 @@
       </p:pic>
       <p:pic>
         <p:nvPicPr>
-          <p:cNvPr id="34" name="Grafik 33" descr="Ein Bild, das Text, Screenshot, Schrift, Schwarz enthält.&#10;&#10;Automatisch generierte Beschreibung">
+          <p:cNvPr id="26" name="Grafik 25" descr="Ein Bild, das Text, Screenshot, Schrift, Schwarz enthält.&#10;&#10;Automatisch generierte Beschreibung">
             <a:extLst>
               <a:ext uri="{FF2B5EF4-FFF2-40B4-BE49-F238E27FC236}">
-                <a16:creationId xmlns:a16="http://schemas.microsoft.com/office/drawing/2014/main" id="{A05D0146-AE43-2F39-8765-3F368F5624D8}"/>
+                <a16:creationId xmlns:a16="http://schemas.microsoft.com/office/drawing/2014/main" id="{4DBA41F0-7162-99F6-4229-3AA63A4B5385}"/>
               </a:ext>
             </a:extLst>
           </p:cNvPr>
@@ -5926,14 +6453,14 @@
           <p:nvPr/>
         </p:nvPicPr>
         <p:blipFill>
-          <a:blip r:embed="rId6"/>
+          <a:blip r:embed="rId7"/>
           <a:stretch>
             <a:fillRect/>
           </a:stretch>
         </p:blipFill>
         <p:spPr>
           <a:xfrm>
-            <a:off x="5928749" y="443093"/>
+            <a:off x="1008522" y="1422112"/>
             <a:ext cx="736600" cy="2895600"/>
           </a:xfrm>
           <a:prstGeom prst="rect">
@@ -6014,30 +6541,21 @@
                             </p:childTnLst>
                           </p:cTn>
                         </p:par>
-                      </p:childTnLst>
-                    </p:cTn>
-                  </p:par>
-                  <p:par>
-                    <p:cTn id="7" fill="hold">
-                      <p:stCondLst>
-                        <p:cond delay="indefinite"/>
-                      </p:stCondLst>
-                      <p:childTnLst>
                         <p:par>
-                          <p:cTn id="8" fill="hold">
+                          <p:cTn id="7" fill="hold">
                             <p:stCondLst>
-                              <p:cond delay="0"/>
+                              <p:cond delay="400"/>
                             </p:stCondLst>
                             <p:childTnLst>
                               <p:par>
-                                <p:cTn id="9" presetID="8" presetClass="emph" presetSubtype="0" fill="hold" nodeType="clickEffect">
+                                <p:cTn id="8" presetID="8" presetClass="emph" presetSubtype="0" fill="hold" nodeType="afterEffect">
                                   <p:stCondLst>
                                     <p:cond delay="0"/>
                                   </p:stCondLst>
                                   <p:childTnLst>
                                     <p:animRot by="3600000">
                                       <p:cBhvr>
-                                        <p:cTn id="10" dur="400" fill="hold"/>
+                                        <p:cTn id="9" dur="400" fill="hold"/>
                                         <p:tgtEl>
                                           <p:spTgt spid="28"/>
                                         </p:tgtEl>
@@ -6083,14 +6601,6 @@
 <file path=ppt/slides/slide7.xml><?xml version="1.0" encoding="utf-8"?>
 <p:sld xmlns:a="http://schemas.openxmlformats.org/drawingml/2006/main" xmlns:r="http://schemas.openxmlformats.org/officeDocument/2006/relationships" xmlns:p="http://schemas.openxmlformats.org/presentationml/2006/main" show="0">
   <p:cSld>
-    <p:bg>
-      <p:bgPr>
-        <a:solidFill>
-          <a:srgbClr val="F2F2F2"/>
-        </a:solidFill>
-        <a:effectLst/>
-      </p:bgPr>
-    </p:bg>
     <p:spTree>
       <p:nvGrpSpPr>
         <p:cNvPr id="1" name=""/>
@@ -6119,7 +6629,7 @@
         </p:nvSpPr>
         <p:spPr>
           <a:xfrm>
-            <a:off x="-471597" y="-619782"/>
+            <a:off x="-471597" y="-1339713"/>
             <a:ext cx="720000" cy="720000"/>
           </a:xfrm>
           <a:prstGeom prst="rect">
@@ -6311,7 +6821,7 @@
         </p:nvSpPr>
         <p:spPr>
           <a:xfrm rot="16200000">
-            <a:off x="-1011776" y="-30587"/>
+            <a:off x="-1011773" y="-30587"/>
             <a:ext cx="1440001" cy="261610"/>
           </a:xfrm>
           <a:prstGeom prst="rect">
@@ -6350,7 +6860,7 @@
         </p:nvSpPr>
         <p:spPr>
           <a:xfrm>
-            <a:off x="5608639" y="-467382"/>
+            <a:off x="5608639" y="-438151"/>
             <a:ext cx="720000" cy="720000"/>
           </a:xfrm>
           <a:prstGeom prst="rect">
@@ -6542,7 +7052,7 @@
         </p:nvSpPr>
         <p:spPr>
           <a:xfrm>
-            <a:off x="7237746" y="-467382"/>
+            <a:off x="7237746" y="-1187313"/>
             <a:ext cx="720000" cy="720000"/>
           </a:xfrm>
           <a:prstGeom prst="rect">
@@ -6734,7 +7244,7 @@
         </p:nvSpPr>
         <p:spPr>
           <a:xfrm>
-            <a:off x="7894584" y="-467382"/>
+            <a:off x="7894584" y="-1187313"/>
             <a:ext cx="720000" cy="720000"/>
           </a:xfrm>
           <a:prstGeom prst="rect">
@@ -6926,7 +7436,7 @@
         </p:nvSpPr>
         <p:spPr>
           <a:xfrm>
-            <a:off x="1128603" y="-619782"/>
+            <a:off x="1128603" y="-1339713"/>
             <a:ext cx="720000" cy="720000"/>
           </a:xfrm>
           <a:prstGeom prst="rect">
@@ -7118,7 +7628,7 @@
         </p:nvSpPr>
         <p:spPr>
           <a:xfrm rot="16200000">
-            <a:off x="865866" y="-67145"/>
+            <a:off x="865866" y="-787076"/>
             <a:ext cx="1245476" cy="276999"/>
           </a:xfrm>
           <a:prstGeom prst="rect">
@@ -7208,7 +7718,7 @@
         </p:nvSpPr>
         <p:spPr>
           <a:xfrm rot="16200000">
-            <a:off x="7001736" y="114079"/>
+            <a:off x="7001739" y="114080"/>
             <a:ext cx="1566041" cy="276999"/>
           </a:xfrm>
           <a:prstGeom prst="rect">
@@ -7248,7 +7758,7 @@
         </p:nvSpPr>
         <p:spPr>
           <a:xfrm rot="16200000">
-            <a:off x="7564967" y="112970"/>
+            <a:off x="7564970" y="112971"/>
             <a:ext cx="1379243" cy="276999"/>
           </a:xfrm>
           <a:prstGeom prst="rect">
@@ -7289,6 +7799,12 @@
     <a:masterClrMapping/>
   </p:clrMapOvr>
 </p:sld>
+</file>
+
+<file path=ppt/tags/tag1.xml><?xml version="1.0" encoding="utf-8"?>
+<p:tagLst xmlns:a="http://schemas.openxmlformats.org/drawingml/2006/main" xmlns:r="http://schemas.openxmlformats.org/officeDocument/2006/relationships" xmlns:p="http://schemas.openxmlformats.org/presentationml/2006/main">
+  <p:tag name="TIMING" val="|0.7"/>
+</p:tagLst>
 </file>
 
 <file path=ppt/theme/theme1.xml><?xml version="1.0" encoding="utf-8"?>

--- a/img/Dominoeffekt.pptx
+++ b/img/Dominoeffekt.pptx
@@ -203,7 +203,7 @@
           <a:p>
             <a:fld id="{9595E809-FD06-FE44-BB76-B09DADFD8003}" type="datetimeFigureOut">
               <a:rPr lang="de-DE" smtClean="0"/>
-              <a:t>05.07.24</a:t>
+              <a:t>12.07.24</a:t>
             </a:fld>
             <a:endParaRPr lang="de-DE" dirty="0"/>
           </a:p>
@@ -608,7 +608,7 @@
           <a:bodyPr/>
           <a:lstStyle/>
           <a:p>
-            <a:endParaRPr lang="de-DE"/>
+            <a:endParaRPr lang="de-DE" dirty="0"/>
           </a:p>
         </p:txBody>
       </p:sp>
@@ -1135,7 +1135,7 @@
           <a:p>
             <a:fld id="{E3B30D05-E721-9C41-891E-F89269489B81}" type="datetimeFigureOut">
               <a:rPr lang="de-DE" smtClean="0"/>
-              <a:t>05.07.24</a:t>
+              <a:t>12.07.24</a:t>
             </a:fld>
             <a:endParaRPr lang="de-DE" dirty="0"/>
           </a:p>
@@ -1305,7 +1305,7 @@
           <a:p>
             <a:fld id="{E3B30D05-E721-9C41-891E-F89269489B81}" type="datetimeFigureOut">
               <a:rPr lang="de-DE" smtClean="0"/>
-              <a:t>05.07.24</a:t>
+              <a:t>12.07.24</a:t>
             </a:fld>
             <a:endParaRPr lang="de-DE" dirty="0"/>
           </a:p>
@@ -1485,7 +1485,7 @@
           <a:p>
             <a:fld id="{E3B30D05-E721-9C41-891E-F89269489B81}" type="datetimeFigureOut">
               <a:rPr lang="de-DE" smtClean="0"/>
-              <a:t>05.07.24</a:t>
+              <a:t>12.07.24</a:t>
             </a:fld>
             <a:endParaRPr lang="de-DE" dirty="0"/>
           </a:p>
@@ -1655,7 +1655,7 @@
           <a:p>
             <a:fld id="{E3B30D05-E721-9C41-891E-F89269489B81}" type="datetimeFigureOut">
               <a:rPr lang="de-DE" smtClean="0"/>
-              <a:t>05.07.24</a:t>
+              <a:t>12.07.24</a:t>
             </a:fld>
             <a:endParaRPr lang="de-DE" dirty="0"/>
           </a:p>
@@ -1901,7 +1901,7 @@
           <a:p>
             <a:fld id="{E3B30D05-E721-9C41-891E-F89269489B81}" type="datetimeFigureOut">
               <a:rPr lang="de-DE" smtClean="0"/>
-              <a:t>05.07.24</a:t>
+              <a:t>12.07.24</a:t>
             </a:fld>
             <a:endParaRPr lang="de-DE" dirty="0"/>
           </a:p>
@@ -2133,7 +2133,7 @@
           <a:p>
             <a:fld id="{E3B30D05-E721-9C41-891E-F89269489B81}" type="datetimeFigureOut">
               <a:rPr lang="de-DE" smtClean="0"/>
-              <a:t>05.07.24</a:t>
+              <a:t>12.07.24</a:t>
             </a:fld>
             <a:endParaRPr lang="de-DE" dirty="0"/>
           </a:p>
@@ -2500,7 +2500,7 @@
           <a:p>
             <a:fld id="{E3B30D05-E721-9C41-891E-F89269489B81}" type="datetimeFigureOut">
               <a:rPr lang="de-DE" smtClean="0"/>
-              <a:t>05.07.24</a:t>
+              <a:t>12.07.24</a:t>
             </a:fld>
             <a:endParaRPr lang="de-DE" dirty="0"/>
           </a:p>
@@ -2618,7 +2618,7 @@
           <a:p>
             <a:fld id="{E3B30D05-E721-9C41-891E-F89269489B81}" type="datetimeFigureOut">
               <a:rPr lang="de-DE" smtClean="0"/>
-              <a:t>05.07.24</a:t>
+              <a:t>12.07.24</a:t>
             </a:fld>
             <a:endParaRPr lang="de-DE" dirty="0"/>
           </a:p>
@@ -2713,7 +2713,7 @@
           <a:p>
             <a:fld id="{E3B30D05-E721-9C41-891E-F89269489B81}" type="datetimeFigureOut">
               <a:rPr lang="de-DE" smtClean="0"/>
-              <a:t>05.07.24</a:t>
+              <a:t>12.07.24</a:t>
             </a:fld>
             <a:endParaRPr lang="de-DE" dirty="0"/>
           </a:p>
@@ -2990,7 +2990,7 @@
           <a:p>
             <a:fld id="{E3B30D05-E721-9C41-891E-F89269489B81}" type="datetimeFigureOut">
               <a:rPr lang="de-DE" smtClean="0"/>
-              <a:t>05.07.24</a:t>
+              <a:t>12.07.24</a:t>
             </a:fld>
             <a:endParaRPr lang="de-DE" dirty="0"/>
           </a:p>
@@ -3247,7 +3247,7 @@
           <a:p>
             <a:fld id="{E3B30D05-E721-9C41-891E-F89269489B81}" type="datetimeFigureOut">
               <a:rPr lang="de-DE" smtClean="0"/>
-              <a:t>05.07.24</a:t>
+              <a:t>12.07.24</a:t>
             </a:fld>
             <a:endParaRPr lang="de-DE" dirty="0"/>
           </a:p>
@@ -3460,7 +3460,7 @@
           <a:p>
             <a:fld id="{E3B30D05-E721-9C41-891E-F89269489B81}" type="datetimeFigureOut">
               <a:rPr lang="de-DE" smtClean="0"/>
-              <a:t>05.07.24</a:t>
+              <a:t>12.07.24</a:t>
             </a:fld>
             <a:endParaRPr lang="de-DE" dirty="0"/>
           </a:p>
@@ -4389,6 +4389,14 @@
 <file path=ppt/slides/slide2.xml><?xml version="1.0" encoding="utf-8"?>
 <p:sld xmlns:a="http://schemas.openxmlformats.org/drawingml/2006/main" xmlns:r="http://schemas.openxmlformats.org/officeDocument/2006/relationships" xmlns:p="http://schemas.openxmlformats.org/presentationml/2006/main">
   <p:cSld>
+    <p:bg>
+      <p:bgPr>
+        <a:solidFill>
+          <a:srgbClr val="F2F2F2"/>
+        </a:solidFill>
+        <a:effectLst/>
+      </p:bgPr>
+    </p:bg>
     <p:spTree>
       <p:nvGrpSpPr>
         <p:cNvPr id="1" name=""/>
@@ -4405,50 +4413,6 @@
       </p:grpSpPr>
       <p:pic>
         <p:nvPicPr>
-          <p:cNvPr id="11" name="Grafik 10" descr="Ein Bild, das Screenshot, Schwarz, Schrift, Schwarzweiß enthält.&#10;&#10;Automatisch generierte Beschreibung">
-            <a:extLst>
-              <a:ext uri="{FF2B5EF4-FFF2-40B4-BE49-F238E27FC236}">
-                <a16:creationId xmlns:a16="http://schemas.microsoft.com/office/drawing/2014/main" id="{28BA64BA-9373-F9F9-66D2-11F3A6BFB1BD}"/>
-              </a:ext>
-            </a:extLst>
-          </p:cNvPr>
-          <p:cNvPicPr>
-            <a:picLocks noChangeAspect="1"/>
-          </p:cNvPicPr>
-          <p:nvPr/>
-        </p:nvPicPr>
-        <p:blipFill>
-          <a:blip r:embed="rId4"/>
-          <a:stretch>
-            <a:fillRect/>
-          </a:stretch>
-        </p:blipFill>
-        <p:spPr>
-          <a:xfrm>
-            <a:off x="3310124" y="1204125"/>
-            <a:ext cx="736600" cy="2895600"/>
-          </a:xfrm>
-          <a:prstGeom prst="rect">
-            <a:avLst/>
-          </a:prstGeom>
-          <a:ln>
-            <a:noFill/>
-          </a:ln>
-          <a:effectLst/>
-          <a:scene3d>
-            <a:camera prst="isometricOffAxis1Left"/>
-            <a:lightRig rig="flood" dir="t">
-              <a:rot lat="0" lon="0" rev="13800000"/>
-            </a:lightRig>
-          </a:scene3d>
-          <a:sp3d extrusionH="107950" prstMaterial="plastic">
-            <a:bevelT w="82550" h="63500" prst="divot"/>
-            <a:bevelB/>
-          </a:sp3d>
-        </p:spPr>
-      </p:pic>
-      <p:pic>
-        <p:nvPicPr>
           <p:cNvPr id="34" name="Grafik 33" descr="Ein Bild, das Text, Screenshot, Schrift, Schwarz enthält.&#10;&#10;Automatisch generierte Beschreibung">
             <a:extLst>
               <a:ext uri="{FF2B5EF4-FFF2-40B4-BE49-F238E27FC236}">
@@ -4462,7 +4426,7 @@
           <p:nvPr/>
         </p:nvPicPr>
         <p:blipFill>
-          <a:blip r:embed="rId5"/>
+          <a:blip r:embed="rId4"/>
           <a:stretch>
             <a:fillRect/>
           </a:stretch>
@@ -4499,138 +4463,6 @@
       </p:pic>
       <p:pic>
         <p:nvPicPr>
-          <p:cNvPr id="28" name="Grafik 27" descr="Ein Bild, das Screenshot, Schwarz, Schrift, Schwarzweiß enthält.&#10;&#10;Automatisch generierte Beschreibung">
-            <a:extLst>
-              <a:ext uri="{FF2B5EF4-FFF2-40B4-BE49-F238E27FC236}">
-                <a16:creationId xmlns:a16="http://schemas.microsoft.com/office/drawing/2014/main" id="{40AC337B-AC99-93B0-395F-61265FA2FA96}"/>
-              </a:ext>
-            </a:extLst>
-          </p:cNvPr>
-          <p:cNvPicPr>
-            <a:picLocks noChangeAspect="1"/>
-          </p:cNvPicPr>
-          <p:nvPr/>
-        </p:nvPicPr>
-        <p:blipFill>
-          <a:blip r:embed="rId4"/>
-          <a:stretch>
-            <a:fillRect/>
-          </a:stretch>
-        </p:blipFill>
-        <p:spPr>
-          <a:xfrm>
-            <a:off x="2057109" y="1342733"/>
-            <a:ext cx="736600" cy="2895600"/>
-          </a:xfrm>
-          <a:prstGeom prst="rect">
-            <a:avLst/>
-          </a:prstGeom>
-          <a:ln>
-            <a:noFill/>
-          </a:ln>
-          <a:effectLst/>
-          <a:scene3d>
-            <a:camera prst="isometricOffAxis1Left"/>
-            <a:lightRig rig="flood" dir="t">
-              <a:rot lat="0" lon="0" rev="13800000"/>
-            </a:lightRig>
-          </a:scene3d>
-          <a:sp3d extrusionH="107950" prstMaterial="plastic">
-            <a:bevelT w="82550" h="63500" prst="divot"/>
-            <a:bevelB/>
-          </a:sp3d>
-        </p:spPr>
-      </p:pic>
-      <p:pic>
-        <p:nvPicPr>
-          <p:cNvPr id="26" name="Grafik 25" descr="Ein Bild, das Text, Screenshot, Schrift, Schwarz enthält.&#10;&#10;Automatisch generierte Beschreibung">
-            <a:extLst>
-              <a:ext uri="{FF2B5EF4-FFF2-40B4-BE49-F238E27FC236}">
-                <a16:creationId xmlns:a16="http://schemas.microsoft.com/office/drawing/2014/main" id="{4DBA41F0-7162-99F6-4229-3AA63A4B5385}"/>
-              </a:ext>
-            </a:extLst>
-          </p:cNvPr>
-          <p:cNvPicPr>
-            <a:picLocks noChangeAspect="1"/>
-          </p:cNvPicPr>
-          <p:nvPr/>
-        </p:nvPicPr>
-        <p:blipFill>
-          <a:blip r:embed="rId6"/>
-          <a:stretch>
-            <a:fillRect/>
-          </a:stretch>
-        </p:blipFill>
-        <p:spPr>
-          <a:xfrm>
-            <a:off x="904825" y="1422115"/>
-            <a:ext cx="736600" cy="2895600"/>
-          </a:xfrm>
-          <a:prstGeom prst="rect">
-            <a:avLst/>
-          </a:prstGeom>
-          <a:ln>
-            <a:noFill/>
-          </a:ln>
-          <a:effectLst/>
-          <a:scene3d>
-            <a:camera prst="isometricOffAxis1Left"/>
-            <a:lightRig rig="flood" dir="t">
-              <a:rot lat="0" lon="0" rev="13800000"/>
-            </a:lightRig>
-          </a:scene3d>
-          <a:sp3d extrusionH="107950" prstMaterial="plastic">
-            <a:bevelT w="82550" h="63500" prst="divot"/>
-            <a:bevelB/>
-          </a:sp3d>
-        </p:spPr>
-      </p:pic>
-      <p:pic>
-        <p:nvPicPr>
-          <p:cNvPr id="30" name="Grafik 29" descr="Ein Bild, das Text, Screenshot, Schrift, Grafiken enthält.&#10;&#10;Automatisch generierte Beschreibung">
-            <a:extLst>
-              <a:ext uri="{FF2B5EF4-FFF2-40B4-BE49-F238E27FC236}">
-                <a16:creationId xmlns:a16="http://schemas.microsoft.com/office/drawing/2014/main" id="{6081AF61-D865-5BA2-A2D5-960613799C42}"/>
-              </a:ext>
-            </a:extLst>
-          </p:cNvPr>
-          <p:cNvPicPr>
-            <a:picLocks noChangeAspect="1"/>
-          </p:cNvPicPr>
-          <p:nvPr/>
-        </p:nvPicPr>
-        <p:blipFill>
-          <a:blip r:embed="rId7"/>
-          <a:stretch>
-            <a:fillRect/>
-          </a:stretch>
-        </p:blipFill>
-        <p:spPr>
-          <a:xfrm>
-            <a:off x="3310124" y="1149463"/>
-            <a:ext cx="736600" cy="2959100"/>
-          </a:xfrm>
-          <a:prstGeom prst="rect">
-            <a:avLst/>
-          </a:prstGeom>
-          <a:ln>
-            <a:noFill/>
-          </a:ln>
-          <a:effectLst/>
-          <a:scene3d>
-            <a:camera prst="isometricOffAxis1Left"/>
-            <a:lightRig rig="flood" dir="t">
-              <a:rot lat="0" lon="0" rev="13800000"/>
-            </a:lightRig>
-          </a:scene3d>
-          <a:sp3d extrusionH="107950" prstMaterial="plastic">
-            <a:bevelT w="82550" h="63500" prst="divot"/>
-            <a:bevelB/>
-          </a:sp3d>
-        </p:spPr>
-      </p:pic>
-      <p:pic>
-        <p:nvPicPr>
           <p:cNvPr id="32" name="Grafik 31" descr="Ein Bild, das Screenshot, Text, Schrift, Schwarz enthält.&#10;&#10;Automatisch generierte Beschreibung">
             <a:extLst>
               <a:ext uri="{FF2B5EF4-FFF2-40B4-BE49-F238E27FC236}">
@@ -4644,7 +4476,7 @@
           <p:nvPr/>
         </p:nvPicPr>
         <p:blipFill>
-          <a:blip r:embed="rId8"/>
+          <a:blip r:embed="rId5"/>
           <a:stretch>
             <a:fillRect/>
           </a:stretch>
@@ -4679,6 +4511,156 @@
           </a:sp3d>
         </p:spPr>
       </p:pic>
+      <p:pic>
+        <p:nvPicPr>
+          <p:cNvPr id="2" name="Grafik 1" descr="Ein Bild, das Text, Screenshot, Schrift, Schwarz enthält.&#10;&#10;Automatisch generierte Beschreibung">
+            <a:extLst>
+              <a:ext uri="{FF2B5EF4-FFF2-40B4-BE49-F238E27FC236}">
+                <a16:creationId xmlns:a16="http://schemas.microsoft.com/office/drawing/2014/main" id="{F182680D-4F31-0902-D8D4-4727ED0398DD}"/>
+              </a:ext>
+            </a:extLst>
+          </p:cNvPr>
+          <p:cNvPicPr>
+            <a:picLocks noChangeAspect="1"/>
+          </p:cNvPicPr>
+          <p:nvPr/>
+        </p:nvPicPr>
+        <p:blipFill>
+          <a:blip r:embed="rId6"/>
+          <a:stretch>
+            <a:fillRect/>
+          </a:stretch>
+        </p:blipFill>
+        <p:spPr>
+          <a:xfrm>
+            <a:off x="848431" y="1432503"/>
+            <a:ext cx="736600" cy="2895600"/>
+          </a:xfrm>
+          <a:prstGeom prst="rect">
+            <a:avLst/>
+          </a:prstGeom>
+          <a:ln>
+            <a:noFill/>
+          </a:ln>
+          <a:effectLst>
+            <a:outerShdw blurRad="184150" dist="241300" dir="11520000" sx="110000" sy="110000" algn="ctr">
+              <a:srgbClr val="000000">
+                <a:alpha val="18000"/>
+              </a:srgbClr>
+            </a:outerShdw>
+          </a:effectLst>
+          <a:scene3d>
+            <a:camera prst="isometricOffAxis1Left"/>
+            <a:lightRig rig="flood" dir="t">
+              <a:rot lat="0" lon="0" rev="13800000"/>
+            </a:lightRig>
+          </a:scene3d>
+          <a:sp3d extrusionH="107950" prstMaterial="plastic">
+            <a:bevelT w="82550" h="63500" prst="divot"/>
+            <a:bevelB/>
+          </a:sp3d>
+        </p:spPr>
+      </p:pic>
+      <p:pic>
+        <p:nvPicPr>
+          <p:cNvPr id="3" name="Grafik 2" descr="Ein Bild, das Screenshot, Schwarz, Schrift, Schwarzweiß enthält.&#10;&#10;Automatisch generierte Beschreibung">
+            <a:extLst>
+              <a:ext uri="{FF2B5EF4-FFF2-40B4-BE49-F238E27FC236}">
+                <a16:creationId xmlns:a16="http://schemas.microsoft.com/office/drawing/2014/main" id="{44633303-2930-8066-6E74-48FBE1870075}"/>
+              </a:ext>
+            </a:extLst>
+          </p:cNvPr>
+          <p:cNvPicPr>
+            <a:picLocks noChangeAspect="1"/>
+          </p:cNvPicPr>
+          <p:nvPr/>
+        </p:nvPicPr>
+        <p:blipFill>
+          <a:blip r:embed="rId7"/>
+          <a:stretch>
+            <a:fillRect/>
+          </a:stretch>
+        </p:blipFill>
+        <p:spPr>
+          <a:xfrm>
+            <a:off x="2057109" y="1345621"/>
+            <a:ext cx="736600" cy="2895600"/>
+          </a:xfrm>
+          <a:prstGeom prst="rect">
+            <a:avLst/>
+          </a:prstGeom>
+          <a:ln>
+            <a:noFill/>
+          </a:ln>
+          <a:effectLst>
+            <a:outerShdw blurRad="184150" dist="241300" dir="11520000" sx="110000" sy="110000" algn="ctr">
+              <a:srgbClr val="000000">
+                <a:alpha val="18000"/>
+              </a:srgbClr>
+            </a:outerShdw>
+          </a:effectLst>
+          <a:scene3d>
+            <a:camera prst="isometricOffAxis1Left"/>
+            <a:lightRig rig="flood" dir="t">
+              <a:rot lat="0" lon="0" rev="13800000"/>
+            </a:lightRig>
+          </a:scene3d>
+          <a:sp3d extrusionH="107950" prstMaterial="plastic">
+            <a:bevelT w="82550" h="63500" prst="divot"/>
+            <a:bevelB/>
+          </a:sp3d>
+        </p:spPr>
+      </p:pic>
+      <p:pic>
+        <p:nvPicPr>
+          <p:cNvPr id="4" name="Grafik 3" descr="Ein Bild, das Text, Screenshot, Schrift, Grafiken enthält.&#10;&#10;Automatisch generierte Beschreibung">
+            <a:extLst>
+              <a:ext uri="{FF2B5EF4-FFF2-40B4-BE49-F238E27FC236}">
+                <a16:creationId xmlns:a16="http://schemas.microsoft.com/office/drawing/2014/main" id="{4D595A4A-73CA-9D9C-C561-27BFF43CA826}"/>
+              </a:ext>
+            </a:extLst>
+          </p:cNvPr>
+          <p:cNvPicPr>
+            <a:picLocks noChangeAspect="1"/>
+          </p:cNvPicPr>
+          <p:nvPr/>
+        </p:nvPicPr>
+        <p:blipFill>
+          <a:blip r:embed="rId8"/>
+          <a:stretch>
+            <a:fillRect/>
+          </a:stretch>
+        </p:blipFill>
+        <p:spPr>
+          <a:xfrm>
+            <a:off x="3310124" y="1133122"/>
+            <a:ext cx="736600" cy="2959100"/>
+          </a:xfrm>
+          <a:prstGeom prst="rect">
+            <a:avLst/>
+          </a:prstGeom>
+          <a:ln>
+            <a:noFill/>
+          </a:ln>
+          <a:effectLst>
+            <a:outerShdw blurRad="184150" dist="241300" dir="11520000" sx="110000" sy="110000" algn="ctr">
+              <a:srgbClr val="000000">
+                <a:alpha val="18000"/>
+              </a:srgbClr>
+            </a:outerShdw>
+          </a:effectLst>
+          <a:scene3d>
+            <a:camera prst="isometricOffAxis1Left"/>
+            <a:lightRig rig="flood" dir="t">
+              <a:rot lat="0" lon="0" rev="13800000"/>
+            </a:lightRig>
+          </a:scene3d>
+          <a:sp3d extrusionH="107950" prstMaterial="plastic">
+            <a:bevelT w="82550" h="63500" prst="divot"/>
+            <a:bevelB/>
+          </a:sp3d>
+        </p:spPr>
+      </p:pic>
     </p:spTree>
     <p:custDataLst>
       <p:tags r:id="rId1"/>
@@ -4692,11 +4674,11 @@
   <p:clrMapOvr>
     <a:masterClrMapping/>
   </p:clrMapOvr>
-  <mc:AlternateContent xmlns:mc="http://schemas.openxmlformats.org/markup-compatibility/2006">
-    <mc:Choice xmlns:p14="http://schemas.microsoft.com/office/powerpoint/2010/main" Requires="p14">
+  <mc:AlternateContent xmlns:mc="http://schemas.openxmlformats.org/markup-compatibility/2006" xmlns:p14="http://schemas.microsoft.com/office/powerpoint/2010/main">
+    <mc:Choice Requires="p14">
       <p:transition spd="slow" p14:dur="2000" advTm="4475"/>
     </mc:Choice>
-    <mc:Fallback>
+    <mc:Fallback xmlns="">
       <p:transition spd="slow" advTm="4475"/>
     </mc:Fallback>
   </mc:AlternateContent>
@@ -4730,7 +4712,7 @@
                                       <p:cBhvr>
                                         <p:cTn id="6" dur="400" fill="hold"/>
                                         <p:tgtEl>
-                                          <p:spTgt spid="26"/>
+                                          <p:spTgt spid="2"/>
                                         </p:tgtEl>
                                         <p:attrNameLst>
                                           <p:attrName>r</p:attrName>
@@ -4759,7 +4741,7 @@
                                       <p:cBhvr>
                                         <p:cTn id="9" dur="400" fill="hold"/>
                                         <p:tgtEl>
-                                          <p:spTgt spid="28"/>
+                                          <p:spTgt spid="3"/>
                                         </p:tgtEl>
                                         <p:attrNameLst>
                                           <p:attrName>r</p:attrName>
@@ -4788,7 +4770,7 @@
                                       <p:cBhvr>
                                         <p:cTn id="12" dur="400" fill="hold"/>
                                         <p:tgtEl>
-                                          <p:spTgt spid="30"/>
+                                          <p:spTgt spid="4"/>
                                         </p:tgtEl>
                                         <p:attrNameLst>
                                           <p:attrName>r</p:attrName>
@@ -4847,35 +4829,6 @@
                                         <p:cTn id="18" dur="400" fill="hold"/>
                                         <p:tgtEl>
                                           <p:spTgt spid="34"/>
-                                        </p:tgtEl>
-                                        <p:attrNameLst>
-                                          <p:attrName>r</p:attrName>
-                                        </p:attrNameLst>
-                                      </p:cBhvr>
-                                    </p:animRot>
-                                  </p:childTnLst>
-                                </p:cTn>
-                              </p:par>
-                            </p:childTnLst>
-                          </p:cTn>
-                        </p:par>
-                        <p:par>
-                          <p:cTn id="19" fill="hold">
-                            <p:stCondLst>
-                              <p:cond delay="2000"/>
-                            </p:stCondLst>
-                            <p:childTnLst>
-                              <p:par>
-                                <p:cTn id="20" presetID="8" presetClass="emph" presetSubtype="0" fill="hold" nodeType="afterEffect">
-                                  <p:stCondLst>
-                                    <p:cond delay="0"/>
-                                  </p:stCondLst>
-                                  <p:childTnLst>
-                                    <p:animRot by="3600000">
-                                      <p:cBhvr>
-                                        <p:cTn id="21" dur="400" fill="hold"/>
-                                        <p:tgtEl>
-                                          <p:spTgt spid="11"/>
                                         </p:tgtEl>
                                         <p:attrNameLst>
                                           <p:attrName>r</p:attrName>
@@ -5325,6 +5278,14 @@
 <file path=ppt/slides/slide4.xml><?xml version="1.0" encoding="utf-8"?>
 <p:sld xmlns:a="http://schemas.openxmlformats.org/drawingml/2006/main" xmlns:r="http://schemas.openxmlformats.org/officeDocument/2006/relationships" xmlns:p="http://schemas.openxmlformats.org/presentationml/2006/main">
   <p:cSld>
+    <p:bg>
+      <p:bgPr>
+        <a:solidFill>
+          <a:srgbClr val="F2F2F2"/>
+        </a:solidFill>
+        <a:effectLst/>
+      </p:bgPr>
+    </p:bg>
     <p:spTree>
       <p:nvGrpSpPr>
         <p:cNvPr id="1" name=""/>
